--- a/Complimentary Course Content/Module6/Lessons/Module6_Lesson3 Connecting IoT device to Azure.pptx
+++ b/Complimentary Course Content/Module6/Lessons/Module6_Lesson3 Connecting IoT device to Azure.pptx
@@ -157,7 +157,7 @@
       </p14:sectionLst>
     </p:ext>
     <p:ext uri="{EFAFB233-063F-42B5-8137-9DF3F51BA10A}">
-      <p15:sldGuideLst xmlns:p15="http://schemas.microsoft.com/office/powerpoint/2012/main" xmlns="">
+      <p15:sldGuideLst xmlns="" xmlns:p15="http://schemas.microsoft.com/office/powerpoint/2012/main">
         <p15:guide id="1" orient="horz" pos="2137" userDrawn="1">
           <p15:clr>
             <a:srgbClr val="A4A3A4"/>
@@ -171,7 +171,7 @@
       </p15:sldGuideLst>
     </p:ext>
     <p:ext uri="{2D200454-40CA-4A62-9FC3-DE9A4176ACB9}">
-      <p15:notesGuideLst xmlns:p15="http://schemas.microsoft.com/office/powerpoint/2012/main" xmlns=""/>
+      <p15:notesGuideLst xmlns="" xmlns:p15="http://schemas.microsoft.com/office/powerpoint/2012/main"/>
     </p:ext>
   </p:extLst>
 </p:presentation>
@@ -267,7 +267,7 @@
             <a:fld id="{30A74B2F-3EEF-410A-B738-5B66A46A3256}" type="datetimeFigureOut">
               <a:rPr lang="en-US" smtClean="0"/>
               <a:pPr/>
-              <a:t>6/15/16</a:t>
+              <a:t>7/7/16</a:t>
             </a:fld>
             <a:endParaRPr lang="en-US"/>
           </a:p>
@@ -434,7 +434,7 @@
             <a:fld id="{2E5CA586-3557-4985-BCD4-35EF5AC8B4A4}" type="datetimeFigureOut">
               <a:rPr lang="en-US" smtClean="0"/>
               <a:pPr/>
-              <a:t>6/15/16</a:t>
+              <a:t>7/7/16</a:t>
             </a:fld>
             <a:endParaRPr lang="en-US"/>
           </a:p>
@@ -11604,7 +11604,7 @@
                 <a:latin typeface="Segoe UI"/>
               </a:rPr>
               <a:pPr/>
-              <a:t>6/15/16</a:t>
+              <a:t>7/7/16</a:t>
             </a:fld>
             <a:endParaRPr lang="en-US">
               <a:solidFill>
@@ -11809,7 +11809,7 @@
                 <a:latin typeface="Segoe UI"/>
               </a:rPr>
               <a:pPr/>
-              <a:t>6/15/16</a:t>
+              <a:t>7/7/16</a:t>
             </a:fld>
             <a:endParaRPr lang="en-US">
               <a:solidFill>
@@ -12107,7 +12107,7 @@
                 <a:latin typeface="Segoe UI"/>
               </a:rPr>
               <a:pPr/>
-              <a:t>6/15/16</a:t>
+              <a:t>7/7/16</a:t>
             </a:fld>
             <a:endParaRPr lang="en-US">
               <a:solidFill>
@@ -12451,7 +12451,7 @@
                 <a:latin typeface="Segoe UI"/>
               </a:rPr>
               <a:pPr/>
-              <a:t>6/15/16</a:t>
+              <a:t>7/7/16</a:t>
             </a:fld>
             <a:endParaRPr lang="en-US">
               <a:solidFill>
@@ -12826,7 +12826,7 @@
                 <a:latin typeface="Segoe UI"/>
               </a:rPr>
               <a:pPr/>
-              <a:t>6/15/16</a:t>
+              <a:t>7/7/16</a:t>
             </a:fld>
             <a:endParaRPr lang="en-US">
               <a:solidFill>
@@ -14137,7 +14137,7 @@
                 <a:latin typeface="Segoe UI"/>
               </a:rPr>
               <a:pPr/>
-              <a:t>6/15/16</a:t>
+              <a:t>7/7/16</a:t>
             </a:fld>
             <a:endParaRPr lang="en-US">
               <a:solidFill>
@@ -14538,7 +14538,7 @@
                 <a:latin typeface="Segoe UI"/>
               </a:rPr>
               <a:pPr/>
-              <a:t>6/15/16</a:t>
+              <a:t>7/7/16</a:t>
             </a:fld>
             <a:endParaRPr lang="en-US">
               <a:solidFill>
@@ -14692,7 +14692,7 @@
                 <a:latin typeface="Segoe UI"/>
               </a:rPr>
               <a:pPr/>
-              <a:t>6/15/16</a:t>
+              <a:t>7/7/16</a:t>
             </a:fld>
             <a:endParaRPr lang="en-US">
               <a:solidFill>
@@ -14824,7 +14824,7 @@
                 <a:latin typeface="Segoe UI"/>
               </a:rPr>
               <a:pPr/>
-              <a:t>6/15/16</a:t>
+              <a:t>7/7/16</a:t>
             </a:fld>
             <a:endParaRPr lang="en-US">
               <a:solidFill>
@@ -15136,7 +15136,7 @@
                 <a:latin typeface="Segoe UI"/>
               </a:rPr>
               <a:pPr/>
-              <a:t>6/15/16</a:t>
+              <a:t>7/7/16</a:t>
             </a:fld>
             <a:endParaRPr lang="en-US">
               <a:solidFill>
@@ -15425,7 +15425,7 @@
                 <a:latin typeface="Segoe UI"/>
               </a:rPr>
               <a:pPr/>
-              <a:t>6/15/16</a:t>
+              <a:t>7/7/16</a:t>
             </a:fld>
             <a:endParaRPr lang="en-US">
               <a:solidFill>
@@ -15630,7 +15630,7 @@
                 <a:latin typeface="Segoe UI"/>
               </a:rPr>
               <a:pPr/>
-              <a:t>6/15/16</a:t>
+              <a:t>7/7/16</a:t>
             </a:fld>
             <a:endParaRPr lang="en-US">
               <a:solidFill>
@@ -15845,7 +15845,7 @@
                 <a:latin typeface="Segoe UI"/>
               </a:rPr>
               <a:pPr/>
-              <a:t>6/15/16</a:t>
+              <a:t>7/7/16</a:t>
             </a:fld>
             <a:endParaRPr lang="en-US">
               <a:solidFill>
@@ -16088,7 +16088,7 @@
                 <a:latin typeface="Segoe UI"/>
               </a:rPr>
               <a:pPr/>
-              <a:t>6/15/16</a:t>
+              <a:t>7/7/16</a:t>
             </a:fld>
             <a:endParaRPr lang="en-US">
               <a:solidFill>
@@ -16293,7 +16293,7 @@
                 <a:latin typeface="Segoe UI"/>
               </a:rPr>
               <a:pPr/>
-              <a:t>6/15/16</a:t>
+              <a:t>7/7/16</a:t>
             </a:fld>
             <a:endParaRPr lang="en-US">
               <a:solidFill>
@@ -17048,7 +17048,7 @@
                 <a:latin typeface="Segoe UI"/>
               </a:rPr>
               <a:pPr/>
-              <a:t>6/15/16</a:t>
+              <a:t>7/7/16</a:t>
             </a:fld>
             <a:endParaRPr lang="en-US">
               <a:solidFill>
@@ -17392,7 +17392,7 @@
                 <a:latin typeface="Segoe UI"/>
               </a:rPr>
               <a:pPr/>
-              <a:t>6/15/16</a:t>
+              <a:t>7/7/16</a:t>
             </a:fld>
             <a:endParaRPr lang="en-US">
               <a:solidFill>
@@ -17767,7 +17767,7 @@
                 <a:latin typeface="Segoe UI"/>
               </a:rPr>
               <a:pPr/>
-              <a:t>6/15/16</a:t>
+              <a:t>7/7/16</a:t>
             </a:fld>
             <a:endParaRPr lang="en-US">
               <a:solidFill>
@@ -18711,7 +18711,7 @@
                 <a:latin typeface="Segoe UI"/>
               </a:rPr>
               <a:pPr/>
-              <a:t>6/15/16</a:t>
+              <a:t>7/7/16</a:t>
             </a:fld>
             <a:endParaRPr lang="en-US">
               <a:solidFill>
@@ -19112,7 +19112,7 @@
                 <a:latin typeface="Segoe UI"/>
               </a:rPr>
               <a:pPr/>
-              <a:t>6/15/16</a:t>
+              <a:t>7/7/16</a:t>
             </a:fld>
             <a:endParaRPr lang="en-US">
               <a:solidFill>
@@ -19266,7 +19266,7 @@
                 <a:latin typeface="Segoe UI"/>
               </a:rPr>
               <a:pPr/>
-              <a:t>6/15/16</a:t>
+              <a:t>7/7/16</a:t>
             </a:fld>
             <a:endParaRPr lang="en-US">
               <a:solidFill>
@@ -19398,7 +19398,7 @@
                 <a:latin typeface="Segoe UI"/>
               </a:rPr>
               <a:pPr/>
-              <a:t>6/15/16</a:t>
+              <a:t>7/7/16</a:t>
             </a:fld>
             <a:endParaRPr lang="en-US">
               <a:solidFill>
@@ -20273,7 +20273,7 @@
                 <a:latin typeface="Segoe UI"/>
               </a:rPr>
               <a:pPr/>
-              <a:t>6/15/16</a:t>
+              <a:t>7/7/16</a:t>
             </a:fld>
             <a:endParaRPr lang="en-US">
               <a:solidFill>
@@ -20562,7 +20562,7 @@
                 <a:latin typeface="Segoe UI"/>
               </a:rPr>
               <a:pPr/>
-              <a:t>6/15/16</a:t>
+              <a:t>7/7/16</a:t>
             </a:fld>
             <a:endParaRPr lang="en-US">
               <a:solidFill>
@@ -20767,7 +20767,7 @@
                 <a:latin typeface="Segoe UI"/>
               </a:rPr>
               <a:pPr/>
-              <a:t>6/15/16</a:t>
+              <a:t>7/7/16</a:t>
             </a:fld>
             <a:endParaRPr lang="en-US">
               <a:solidFill>
@@ -20982,7 +20982,7 @@
                 <a:latin typeface="Segoe UI"/>
               </a:rPr>
               <a:pPr/>
-              <a:t>6/15/16</a:t>
+              <a:t>7/7/16</a:t>
             </a:fld>
             <a:endParaRPr lang="en-US">
               <a:solidFill>
@@ -22667,7 +22667,7 @@
                 <a:latin typeface="Segoe UI"/>
               </a:rPr>
               <a:pPr/>
-              <a:t>6/15/16</a:t>
+              <a:t>7/7/16</a:t>
             </a:fld>
             <a:endParaRPr lang="en-US">
               <a:solidFill>
@@ -23247,7 +23247,7 @@
                 <a:latin typeface="Segoe UI"/>
               </a:rPr>
               <a:pPr/>
-              <a:t>6/15/16</a:t>
+              <a:t>7/7/16</a:t>
             </a:fld>
             <a:endParaRPr lang="en-US">
               <a:solidFill>
@@ -29081,16 +29081,16 @@
           <a:lstStyle/>
           <a:p>
             <a:r>
-              <a:rPr lang="en-US" sz="4800" dirty="0" err="1"/>
+              <a:rPr lang="en-US" sz="4800" dirty="0" smtClean="0"/>
+              <a:t>Azure </a:t>
+            </a:r>
+            <a:r>
+              <a:rPr lang="en-US" sz="4800" dirty="0" err="1" smtClean="0"/>
               <a:t>IoT</a:t>
             </a:r>
             <a:r>
-              <a:rPr lang="en-US" sz="4800" dirty="0"/>
-              <a:t> Architecture </a:t>
-            </a:r>
-            <a:r>
               <a:rPr lang="en-US" sz="4800" dirty="0" smtClean="0"/>
-              <a:t>Components</a:t>
+              <a:t> Architecture</a:t>
             </a:r>
             <a:endParaRPr lang="en-US" sz="4800" dirty="0"/>
           </a:p>
@@ -36930,7 +36930,7 @@
   <a:extraClrSchemeLst/>
   <a:extLst>
     <a:ext uri="{05A4C25C-085E-4340-85A3-A5531E510DB2}">
-      <thm15:themeFamily xmlns:thm15="http://schemas.microsoft.com/office/thememl/2012/main" xmlns="" name="Azure4ResearchTemplate" id="{DD1C6CE8-BDBA-0D4F-9930-3643ABC8EF0E}" vid="{B5C66FD7-0952-994B-96D6-AB3BB89097FE}"/>
+      <thm15:themeFamily xmlns="" xmlns:thm15="http://schemas.microsoft.com/office/thememl/2012/main" name="Azure4ResearchTemplate" id="{DD1C6CE8-BDBA-0D4F-9930-3643ABC8EF0E}" vid="{B5C66FD7-0952-994B-96D6-AB3BB89097FE}"/>
     </a:ext>
   </a:extLst>
 </a:theme>
@@ -37199,7 +37199,7 @@
   <a:extraClrSchemeLst/>
   <a:extLst>
     <a:ext uri="{05A4C25C-085E-4340-85A3-A5531E510DB2}">
-      <thm15:themeFamily xmlns:thm15="http://schemas.microsoft.com/office/thememl/2012/main" xmlns="" name="Office Theme" id="{62F939B6-93AF-4DB8-9C6B-D6C7DFDC589F}" vid="{4A3C46E8-61CC-4603-A589-7422A47A8E4A}"/>
+      <thm15:themeFamily xmlns="" xmlns:thm15="http://schemas.microsoft.com/office/thememl/2012/main" name="Office Theme" id="{62F939B6-93AF-4DB8-9C6B-D6C7DFDC589F}" vid="{4A3C46E8-61CC-4603-A589-7422A47A8E4A}"/>
     </a:ext>
   </a:extLst>
 </a:theme>
@@ -37468,7 +37468,7 @@
   <a:extraClrSchemeLst/>
   <a:extLst>
     <a:ext uri="{05A4C25C-085E-4340-85A3-A5531E510DB2}">
-      <thm15:themeFamily xmlns:thm15="http://schemas.microsoft.com/office/thememl/2012/main" xmlns="" name="Office Theme" id="{62F939B6-93AF-4DB8-9C6B-D6C7DFDC589F}" vid="{4A3C46E8-61CC-4603-A589-7422A47A8E4A}"/>
+      <thm15:themeFamily xmlns="" xmlns:thm15="http://schemas.microsoft.com/office/thememl/2012/main" name="Office Theme" id="{62F939B6-93AF-4DB8-9C6B-D6C7DFDC589F}" vid="{4A3C46E8-61CC-4603-A589-7422A47A8E4A}"/>
     </a:ext>
   </a:extLst>
 </a:theme>
@@ -37729,7 +37729,7 @@
   <a:extraClrSchemeLst/>
   <a:extLst>
     <a:ext uri="{05A4C25C-085E-4340-85A3-A5531E510DB2}">
-      <thm15:themeFamily xmlns:thm15="http://schemas.microsoft.com/office/thememl/2012/main" xmlns="" name="Office Theme" id="{62F939B6-93AF-4DB8-9C6B-D6C7DFDC589F}" vid="{4A3C46E8-61CC-4603-A589-7422A47A8E4A}"/>
+      <thm15:themeFamily xmlns="" xmlns:thm15="http://schemas.microsoft.com/office/thememl/2012/main" name="Office Theme" id="{62F939B6-93AF-4DB8-9C6B-D6C7DFDC589F}" vid="{4A3C46E8-61CC-4603-A589-7422A47A8E4A}"/>
     </a:ext>
   </a:extLst>
 </a:theme>
@@ -38024,7 +38024,7 @@
   <a:extraClrSchemeLst/>
   <a:extLst>
     <a:ext uri="{05A4C25C-085E-4340-85A3-A5531E510DB2}">
-      <thm15:themeFamily xmlns:thm15="http://schemas.microsoft.com/office/thememl/2012/main" xmlns="" name="Office Theme" id="{62F939B6-93AF-4DB8-9C6B-D6C7DFDC589F}" vid="{4A3C46E8-61CC-4603-A589-7422A47A8E4A}"/>
+      <thm15:themeFamily xmlns="" xmlns:thm15="http://schemas.microsoft.com/office/thememl/2012/main" name="Office Theme" id="{62F939B6-93AF-4DB8-9C6B-D6C7DFDC589F}" vid="{4A3C46E8-61CC-4603-A589-7422A47A8E4A}"/>
     </a:ext>
   </a:extLst>
 </a:theme>

--- a/Complimentary Course Content/Module6/Lessons/Module6_Lesson3 Connecting IoT device to Azure.pptx
+++ b/Complimentary Course Content/Module6/Lessons/Module6_Lesson3 Connecting IoT device to Azure.pptx
@@ -157,7 +157,7 @@
       </p14:sectionLst>
     </p:ext>
     <p:ext uri="{EFAFB233-063F-42B5-8137-9DF3F51BA10A}">
-      <p15:sldGuideLst xmlns="" xmlns:p15="http://schemas.microsoft.com/office/powerpoint/2012/main">
+      <p15:sldGuideLst xmlns:p15="http://schemas.microsoft.com/office/powerpoint/2012/main">
         <p15:guide id="1" orient="horz" pos="2137" userDrawn="1">
           <p15:clr>
             <a:srgbClr val="A4A3A4"/>
@@ -171,7 +171,7 @@
       </p15:sldGuideLst>
     </p:ext>
     <p:ext uri="{2D200454-40CA-4A62-9FC3-DE9A4176ACB9}">
-      <p15:notesGuideLst xmlns="" xmlns:p15="http://schemas.microsoft.com/office/powerpoint/2012/main"/>
+      <p15:notesGuideLst xmlns:p15="http://schemas.microsoft.com/office/powerpoint/2012/main"/>
     </p:ext>
   </p:extLst>
 </p:presentation>
@@ -267,7 +267,7 @@
             <a:fld id="{30A74B2F-3EEF-410A-B738-5B66A46A3256}" type="datetimeFigureOut">
               <a:rPr lang="en-US" smtClean="0"/>
               <a:pPr/>
-              <a:t>7/7/16</a:t>
+              <a:t>11/5/2017</a:t>
             </a:fld>
             <a:endParaRPr lang="en-US"/>
           </a:p>
@@ -434,7 +434,7 @@
             <a:fld id="{2E5CA586-3557-4985-BCD4-35EF5AC8B4A4}" type="datetimeFigureOut">
               <a:rPr lang="en-US" smtClean="0"/>
               <a:pPr/>
-              <a:t>7/7/16</a:t>
+              <a:t>11/5/2017</a:t>
             </a:fld>
             <a:endParaRPr lang="en-US"/>
           </a:p>
@@ -846,7 +846,7 @@
               <a:buNone/>
             </a:pPr>
             <a:r>
-              <a:rPr lang="en-US" b="1" dirty="0" smtClean="0"/>
+              <a:rPr lang="en-US" b="1" dirty="0"/>
               <a:t>Notes:</a:t>
             </a:r>
           </a:p>
@@ -856,12 +856,8 @@
               <a:buChar char="•"/>
             </a:pPr>
             <a:r>
-              <a:rPr lang="en-US" dirty="0" smtClean="0"/>
-              <a:t>Cloud </a:t>
-            </a:r>
-            <a:r>
               <a:rPr lang="en-US" dirty="0"/>
-              <a:t>communication with devices or field</a:t>
+              <a:t>Cloud communication with devices or field</a:t>
             </a:r>
             <a:r>
               <a:rPr lang="en-US" baseline="0" dirty="0"/>
@@ -901,13 +897,8 @@
             </a:r>
             <a:r>
               <a:rPr lang="en-US" baseline="0" dirty="0"/>
-              <a:t> Hub</a:t>
-            </a:r>
-            <a:r>
-              <a:rPr lang="en-US" baseline="0" dirty="0" smtClean="0"/>
-              <a:t>.</a:t>
-            </a:r>
-            <a:endParaRPr lang="en-US" baseline="0" dirty="0"/>
+              <a:t> Hub.</a:t>
+            </a:r>
           </a:p>
         </p:txBody>
       </p:sp>
@@ -1007,7 +998,7 @@
               <a:buNone/>
             </a:pPr>
             <a:r>
-              <a:rPr lang="en-US" sz="1200" b="1" i="0" u="none" strike="noStrike" kern="1200" baseline="0" dirty="0" smtClean="0">
+              <a:rPr lang="en-US" sz="1200" b="1" i="0" u="none" strike="noStrike" kern="1200" baseline="0" dirty="0">
                 <a:solidFill>
                   <a:schemeClr val="tx1"/>
                 </a:solidFill>
@@ -1024,7 +1015,7 @@
               <a:buChar char="•"/>
             </a:pPr>
             <a:r>
-              <a:rPr lang="en-US" sz="1200" b="0" i="0" u="none" strike="noStrike" kern="1200" baseline="0" dirty="0" smtClean="0">
+              <a:rPr lang="en-US" sz="1200" b="0" i="0" u="none" strike="noStrike" kern="1200" baseline="0" dirty="0">
                 <a:solidFill>
                   <a:schemeClr val="tx1"/>
                 </a:solidFill>
@@ -1032,18 +1023,7 @@
                 <a:ea typeface="+mn-ea"/>
                 <a:cs typeface="+mn-cs"/>
               </a:rPr>
-              <a:t>The </a:t>
-            </a:r>
-            <a:r>
-              <a:rPr lang="en-US" sz="1200" b="0" i="0" u="none" strike="noStrike" kern="1200" baseline="0" dirty="0">
-                <a:solidFill>
-                  <a:schemeClr val="tx1"/>
-                </a:solidFill>
-                <a:latin typeface="+mn-lt"/>
-                <a:ea typeface="+mn-ea"/>
-                <a:cs typeface="+mn-cs"/>
-              </a:rPr>
-              <a:t>device identity store is the authority for all device identity information. It also stores and allows for validation of cryptographic secrets for the purposes of device client authentication.</a:t>
+              <a:t>The device identity store is the authority for all device identity information. It also stores and allows for validation of cryptographic secrets for the purposes of device client authentication.</a:t>
             </a:r>
           </a:p>
           <a:p>
@@ -1247,7 +1227,7 @@
               <a:buNone/>
             </a:pPr>
             <a:r>
-              <a:rPr lang="en-US" sz="1200" b="1" i="0" u="none" strike="noStrike" kern="1200" baseline="0" dirty="0" smtClean="0">
+              <a:rPr lang="en-US" sz="1200" b="1" i="0" u="none" strike="noStrike" kern="1200" baseline="0" dirty="0">
                 <a:solidFill>
                   <a:schemeClr val="tx1"/>
                 </a:solidFill>
@@ -1264,7 +1244,7 @@
               <a:buChar char="•"/>
             </a:pPr>
             <a:r>
-              <a:rPr lang="en-US" sz="1200" b="0" i="0" u="none" strike="noStrike" kern="1200" baseline="0" dirty="0" smtClean="0">
+              <a:rPr lang="en-US" sz="1200" b="0" i="0" u="none" strike="noStrike" kern="1200" baseline="0" dirty="0">
                 <a:solidFill>
                   <a:schemeClr val="tx1"/>
                 </a:solidFill>
@@ -1272,18 +1252,7 @@
                 <a:ea typeface="+mn-ea"/>
                 <a:cs typeface="+mn-cs"/>
               </a:rPr>
-              <a:t>Azure </a:t>
-            </a:r>
-            <a:r>
-              <a:rPr lang="en-US" sz="1200" b="0" i="0" u="none" strike="noStrike" kern="1200" baseline="0" dirty="0">
-                <a:solidFill>
-                  <a:schemeClr val="tx1"/>
-                </a:solidFill>
-                <a:latin typeface="+mn-lt"/>
-                <a:ea typeface="+mn-ea"/>
-                <a:cs typeface="+mn-cs"/>
-              </a:rPr>
-              <a:t>API Apps can be used for the implementation of the Provisioning API. </a:t>
+              <a:t>Azure API Apps can be used for the implementation of the Provisioning API. </a:t>
             </a:r>
           </a:p>
           <a:p>
@@ -1497,7 +1466,7 @@
               <a:buNone/>
             </a:pPr>
             <a:r>
-              <a:rPr lang="en-US" sz="1200" b="1" i="0" u="none" strike="noStrike" kern="1200" baseline="0" dirty="0" smtClean="0">
+              <a:rPr lang="en-US" sz="1200" b="1" i="0" u="none" strike="noStrike" kern="1200" baseline="0" dirty="0">
                 <a:solidFill>
                   <a:schemeClr val="tx1"/>
                 </a:solidFill>
@@ -1514,7 +1483,7 @@
               <a:buChar char="•"/>
             </a:pPr>
             <a:r>
-              <a:rPr lang="en-US" sz="1200" b="0" i="0" u="none" strike="noStrike" kern="1200" baseline="0" dirty="0" smtClean="0">
+              <a:rPr lang="en-US" sz="1200" b="0" i="0" u="none" strike="noStrike" kern="1200" baseline="0" dirty="0">
                 <a:solidFill>
                   <a:schemeClr val="tx1"/>
                 </a:solidFill>
@@ -1522,18 +1491,7 @@
                 <a:ea typeface="+mn-ea"/>
                 <a:cs typeface="+mn-cs"/>
               </a:rPr>
-              <a:t>The </a:t>
-            </a:r>
-            <a:r>
-              <a:rPr lang="en-US" sz="1200" b="0" i="0" u="none" strike="noStrike" kern="1200" baseline="0" dirty="0">
-                <a:solidFill>
-                  <a:schemeClr val="tx1"/>
-                </a:solidFill>
-                <a:latin typeface="+mn-lt"/>
-                <a:ea typeface="+mn-ea"/>
-                <a:cs typeface="+mn-cs"/>
-              </a:rPr>
-              <a:t>flow of data through the system is facilitated by data pumps and analytics tasks. Data pumps are typically moving or routing data without any transformation.</a:t>
+              <a:t>The flow of data through the system is facilitated by data pumps and analytics tasks. Data pumps are typically moving or routing data without any transformation.</a:t>
             </a:r>
           </a:p>
           <a:p>
@@ -1698,7 +1656,7 @@
               <a:buNone/>
             </a:pPr>
             <a:r>
-              <a:rPr lang="en-US" sz="1200" b="1" i="0" u="none" strike="noStrike" kern="1200" baseline="0" dirty="0" smtClean="0">
+              <a:rPr lang="en-US" sz="1200" b="1" i="0" u="none" strike="noStrike" kern="1200" baseline="0" dirty="0">
                 <a:solidFill>
                   <a:schemeClr val="tx1"/>
                 </a:solidFill>
@@ -1715,7 +1673,7 @@
               <a:buChar char="•"/>
             </a:pPr>
             <a:r>
-              <a:rPr lang="en-US" sz="1200" b="0" i="0" u="none" strike="noStrike" kern="1200" baseline="0" dirty="0" smtClean="0">
+              <a:rPr lang="en-US" sz="1200" b="0" i="0" u="none" strike="noStrike" kern="1200" baseline="0" dirty="0">
                 <a:solidFill>
                   <a:schemeClr val="tx1"/>
                 </a:solidFill>
@@ -1723,18 +1681,7 @@
                 <a:ea typeface="+mn-ea"/>
                 <a:cs typeface="+mn-cs"/>
               </a:rPr>
-              <a:t>The </a:t>
-            </a:r>
-            <a:r>
-              <a:rPr lang="en-US" sz="1200" b="0" i="0" u="none" strike="noStrike" kern="1200" baseline="0" dirty="0">
-                <a:solidFill>
-                  <a:schemeClr val="tx1"/>
-                </a:solidFill>
-                <a:latin typeface="+mn-lt"/>
-                <a:ea typeface="+mn-ea"/>
-                <a:cs typeface="+mn-cs"/>
-              </a:rPr>
-              <a:t>solution’s device management part will commonly use compute nodes, whereas the analytics portion of the solution will be largely implemented directly inside the respective analytics capabilities. </a:t>
+              <a:t>The solution’s device management part will commonly use compute nodes, whereas the analytics portion of the solution will be largely implemented directly inside the respective analytics capabilities. </a:t>
             </a:r>
           </a:p>
           <a:p>
@@ -1853,7 +1800,7 @@
               <a:buNone/>
             </a:pPr>
             <a:r>
-              <a:rPr lang="en-US" sz="1200" b="1" i="0" u="none" strike="noStrike" kern="1200" baseline="0" dirty="0" smtClean="0">
+              <a:rPr lang="en-US" sz="1200" b="1" i="0" u="none" strike="noStrike" kern="1200" baseline="0" dirty="0">
                 <a:solidFill>
                   <a:schemeClr val="tx1"/>
                 </a:solidFill>
@@ -1870,7 +1817,7 @@
               <a:buChar char="•"/>
             </a:pPr>
             <a:r>
-              <a:rPr lang="en-US" sz="1200" b="0" i="0" u="none" strike="noStrike" kern="1200" baseline="0" dirty="0" smtClean="0">
+              <a:rPr lang="en-US" sz="1200" b="0" i="0" u="none" strike="noStrike" kern="1200" baseline="0" dirty="0">
                 <a:solidFill>
                   <a:schemeClr val="tx1"/>
                 </a:solidFill>
@@ -1878,18 +1825,7 @@
                 <a:ea typeface="+mn-ea"/>
                 <a:cs typeface="+mn-cs"/>
               </a:rPr>
-              <a:t>The </a:t>
-            </a:r>
-            <a:r>
-              <a:rPr lang="en-US" sz="1200" b="0" i="0" u="none" strike="noStrike" kern="1200" baseline="0" dirty="0">
-                <a:solidFill>
-                  <a:schemeClr val="tx1"/>
-                </a:solidFill>
-                <a:latin typeface="+mn-lt"/>
-                <a:ea typeface="+mn-ea"/>
-                <a:cs typeface="+mn-cs"/>
-              </a:rPr>
-              <a:t>Solution user experience (UX) include web services and APIs with a graphical user interface in the form of a mobile or desktop app.</a:t>
+              <a:t>The Solution user experience (UX) include web services and APIs with a graphical user interface in the form of a mobile or desktop app.</a:t>
             </a:r>
           </a:p>
           <a:p>
@@ -2020,7 +1956,7 @@
               <a:buNone/>
             </a:pPr>
             <a:r>
-              <a:rPr lang="en-US" sz="1200" b="1" i="0" u="none" strike="noStrike" kern="1200" baseline="0" dirty="0" smtClean="0">
+              <a:rPr lang="en-US" sz="1200" b="1" i="0" u="none" strike="noStrike" kern="1200" baseline="0" dirty="0">
                 <a:solidFill>
                   <a:schemeClr val="tx1"/>
                 </a:solidFill>
@@ -2037,7 +1973,7 @@
               <a:buChar char="•"/>
             </a:pPr>
             <a:r>
-              <a:rPr lang="en-US" sz="1200" b="0" i="0" u="none" strike="noStrike" kern="1200" baseline="0" dirty="0" smtClean="0">
+              <a:rPr lang="en-US" sz="1200" b="0" i="0" u="none" strike="noStrike" kern="1200" baseline="0" dirty="0">
                 <a:solidFill>
                   <a:schemeClr val="tx1"/>
                 </a:solidFill>
@@ -2045,18 +1981,7 @@
                 <a:ea typeface="+mn-ea"/>
                 <a:cs typeface="+mn-cs"/>
               </a:rPr>
-              <a:t>Azure </a:t>
-            </a:r>
-            <a:r>
-              <a:rPr lang="en-US" sz="1200" b="0" i="0" u="none" strike="noStrike" kern="1200" baseline="0" dirty="0">
-                <a:solidFill>
-                  <a:schemeClr val="tx1"/>
-                </a:solidFill>
-                <a:latin typeface="+mn-lt"/>
-                <a:ea typeface="+mn-ea"/>
-                <a:cs typeface="+mn-cs"/>
-              </a:rPr>
-              <a:t>Logic Apps provide a reliable way to automate business processes. The service supports long-running process orchestrations across different systems hosted in Azure, on-premises, or in third-party clouds. </a:t>
+              <a:t>Azure Logic Apps provide a reliable way to automate business processes. The service supports long-running process orchestrations across different systems hosted in Azure, on-premises, or in third-party clouds. </a:t>
             </a:r>
           </a:p>
           <a:p>
@@ -2463,7 +2388,7 @@
               <a:buNone/>
             </a:pPr>
             <a:r>
-              <a:rPr lang="en-US" b="1" dirty="0" smtClean="0"/>
+              <a:rPr lang="en-US" b="1" dirty="0"/>
               <a:t>Notes:</a:t>
             </a:r>
           </a:p>
@@ -2473,7 +2398,7 @@
               <a:buChar char="•"/>
             </a:pPr>
             <a:r>
-              <a:rPr lang="en-US" dirty="0" smtClean="0"/>
+              <a:rPr lang="en-US" dirty="0"/>
               <a:t>Azure </a:t>
             </a:r>
             <a:r>
@@ -2502,7 +2427,6 @@
               <a:rPr lang="en-US" baseline="0" dirty="0"/>
               <a:t> scenarios. </a:t>
             </a:r>
-            <a:endParaRPr lang="en-US" baseline="0" dirty="0" smtClean="0"/>
           </a:p>
           <a:p>
             <a:pPr marL="171450" indent="-171450">
@@ -2510,20 +2434,12 @@
               <a:buChar char="•"/>
             </a:pPr>
             <a:r>
-              <a:rPr lang="en-US" dirty="0" smtClean="0"/>
+              <a:rPr lang="en-US" dirty="0"/>
               <a:t>Cloud</a:t>
             </a:r>
             <a:r>
-              <a:rPr lang="en-US" baseline="0" dirty="0" smtClean="0"/>
-              <a:t> </a:t>
-            </a:r>
-            <a:r>
               <a:rPr lang="en-US" baseline="0" dirty="0"/>
-              <a:t>gateway Layer : provides endpoints for device connectivity and facilitates bidirectional communication with the </a:t>
-            </a:r>
-            <a:r>
-              <a:rPr lang="en-US" baseline="0" dirty="0" smtClean="0"/>
-              <a:t>backend.</a:t>
+              <a:t> gateway Layer : provides endpoints for device connectivity and facilitates bidirectional communication with the backend.</a:t>
             </a:r>
           </a:p>
           <a:p>
@@ -2532,16 +2448,8 @@
               <a:buChar char="•"/>
             </a:pPr>
             <a:r>
-              <a:rPr lang="en-US" baseline="0" dirty="0" smtClean="0"/>
-              <a:t>Backend </a:t>
-            </a:r>
-            <a:r>
               <a:rPr lang="en-US" baseline="0" dirty="0"/>
-              <a:t>Layer : provide device registration and data collection, transformation, and analytics, so </a:t>
-            </a:r>
-            <a:r>
-              <a:rPr lang="en-US" baseline="0" dirty="0" smtClean="0"/>
-              <a:t>on.</a:t>
+              <a:t>Backend Layer : provide device registration and data collection, transformation, and analytics, so on.</a:t>
             </a:r>
           </a:p>
           <a:p>
@@ -2550,16 +2458,12 @@
               <a:buChar char="•"/>
             </a:pPr>
             <a:r>
-              <a:rPr lang="en-US" dirty="0" smtClean="0"/>
+              <a:rPr lang="en-US" dirty="0"/>
               <a:t>Presentation</a:t>
             </a:r>
             <a:r>
-              <a:rPr lang="en-US" baseline="0" dirty="0" smtClean="0"/>
-              <a:t> </a:t>
-            </a:r>
-            <a:r>
               <a:rPr lang="en-US" baseline="0" dirty="0"/>
-              <a:t>Layer :  integration of the </a:t>
+              <a:t> Layer :  integration of the </a:t>
             </a:r>
             <a:r>
               <a:rPr lang="en-US" baseline="0" dirty="0" err="1"/>
@@ -2659,7 +2563,7 @@
               <a:buNone/>
             </a:pPr>
             <a:r>
-              <a:rPr lang="en-US" sz="1200" b="1" i="0" u="none" strike="noStrike" kern="1200" baseline="0" dirty="0" smtClean="0">
+              <a:rPr lang="en-US" sz="1200" b="1" i="0" u="none" strike="noStrike" kern="1200" baseline="0" dirty="0">
                 <a:solidFill>
                   <a:schemeClr val="tx1"/>
                 </a:solidFill>
@@ -2689,80 +2593,16 @@
               <a:defRPr/>
             </a:pPr>
             <a:r>
-              <a:rPr lang="en-US" sz="1200" dirty="0" smtClean="0"/>
+              <a:rPr lang="en-US" sz="1200" dirty="0"/>
               <a:t>*Field Gateway is currently a concept that may represent Microsoft, 3</a:t>
             </a:r>
             <a:r>
-              <a:rPr lang="en-US" sz="1200" baseline="30000" dirty="0" smtClean="0"/>
+              <a:rPr lang="en-US" sz="1200" baseline="30000" dirty="0"/>
               <a:t>rd</a:t>
             </a:r>
             <a:r>
-              <a:rPr lang="en-US" sz="1200" dirty="0" smtClean="0"/>
+              <a:rPr lang="en-US" sz="1200" dirty="0"/>
               <a:t> party or custom capabilities at a hardware or software level.</a:t>
-            </a:r>
-            <a:endParaRPr lang="en-US" sz="1200" b="0" i="0" u="none" strike="noStrike" kern="1200" baseline="0" dirty="0" smtClean="0">
-              <a:solidFill>
-                <a:schemeClr val="tx1"/>
-              </a:solidFill>
-              <a:latin typeface="+mn-lt"/>
-              <a:ea typeface="+mn-ea"/>
-              <a:cs typeface="+mn-cs"/>
-            </a:endParaRPr>
-          </a:p>
-          <a:p>
-            <a:pPr marL="171450" indent="-171450">
-              <a:buFont typeface="Arial"/>
-              <a:buChar char="•"/>
-            </a:pPr>
-            <a:r>
-              <a:rPr lang="en-US" sz="1200" b="0" i="0" u="none" strike="noStrike" kern="1200" baseline="0" dirty="0" smtClean="0">
-                <a:solidFill>
-                  <a:schemeClr val="tx1"/>
-                </a:solidFill>
-                <a:latin typeface="+mn-lt"/>
-                <a:ea typeface="+mn-ea"/>
-                <a:cs typeface="+mn-cs"/>
-              </a:rPr>
-              <a:t>The </a:t>
-            </a:r>
-            <a:r>
-              <a:rPr lang="en-US" sz="1200" b="0" i="0" u="none" strike="noStrike" kern="1200" baseline="0" dirty="0">
-                <a:solidFill>
-                  <a:schemeClr val="tx1"/>
-                </a:solidFill>
-                <a:latin typeface="+mn-lt"/>
-                <a:ea typeface="+mn-ea"/>
-                <a:cs typeface="+mn-cs"/>
-              </a:rPr>
-              <a:t>use of the term “gateway” (field gateway, custom cloud gateway, and cloud gateway) is only to help set context for the conceptual components. These represent different names in each vender solutions or products. </a:t>
-            </a:r>
-          </a:p>
-          <a:p>
-            <a:pPr marL="171450" indent="-171450">
-              <a:buFont typeface="Arial"/>
-              <a:buChar char="•"/>
-            </a:pPr>
-            <a:r>
-              <a:rPr lang="en-US" sz="1200" b="0" i="0" u="none" strike="noStrike" kern="1200" baseline="0" dirty="0">
-                <a:solidFill>
-                  <a:schemeClr val="tx1"/>
-                </a:solidFill>
-                <a:latin typeface="+mn-lt"/>
-                <a:ea typeface="+mn-ea"/>
-                <a:cs typeface="+mn-cs"/>
-              </a:rPr>
-              <a:t>We’ll explain </a:t>
-            </a:r>
-            <a:r>
-              <a:rPr lang="en-US" sz="1200" b="0" i="0" u="none" strike="noStrike" kern="1200" baseline="0" dirty="0" smtClean="0">
-                <a:solidFill>
-                  <a:schemeClr val="tx1"/>
-                </a:solidFill>
-                <a:latin typeface="+mn-lt"/>
-                <a:ea typeface="+mn-ea"/>
-                <a:cs typeface="+mn-cs"/>
-              </a:rPr>
-              <a:t>these concepts in more detail later on.</a:t>
             </a:r>
             <a:endParaRPr lang="en-US" sz="1200" b="0" i="0" u="none" strike="noStrike" kern="1200" baseline="0" dirty="0">
               <a:solidFill>
@@ -2772,6 +2612,40 @@
               <a:ea typeface="+mn-ea"/>
               <a:cs typeface="+mn-cs"/>
             </a:endParaRPr>
+          </a:p>
+          <a:p>
+            <a:pPr marL="171450" indent="-171450">
+              <a:buFont typeface="Arial"/>
+              <a:buChar char="•"/>
+            </a:pPr>
+            <a:r>
+              <a:rPr lang="en-US" sz="1200" b="0" i="0" u="none" strike="noStrike" kern="1200" baseline="0" dirty="0">
+                <a:solidFill>
+                  <a:schemeClr val="tx1"/>
+                </a:solidFill>
+                <a:latin typeface="+mn-lt"/>
+                <a:ea typeface="+mn-ea"/>
+                <a:cs typeface="+mn-cs"/>
+              </a:rPr>
+              <a:t>The use of the term “gateway” (field gateway, custom cloud gateway, and cloud gateway) is only to help set context for the conceptual components. These represent different names in each vender solutions or products. </a:t>
+            </a:r>
+          </a:p>
+          <a:p>
+            <a:pPr marL="171450" indent="-171450">
+              <a:buFont typeface="Arial"/>
+              <a:buChar char="•"/>
+            </a:pPr>
+            <a:r>
+              <a:rPr lang="en-US" sz="1200" b="0" i="0" u="none" strike="noStrike" kern="1200" baseline="0" dirty="0">
+                <a:solidFill>
+                  <a:schemeClr val="tx1"/>
+                </a:solidFill>
+                <a:latin typeface="+mn-lt"/>
+                <a:ea typeface="+mn-ea"/>
+                <a:cs typeface="+mn-cs"/>
+              </a:rPr>
+              <a:t>We’ll explain these concepts in more detail later on.</a:t>
+            </a:r>
           </a:p>
           <a:p>
             <a:pPr marL="171450" indent="-171450">
@@ -2801,27 +2675,8 @@
                 <a:ea typeface="+mn-ea"/>
                 <a:cs typeface="+mn-cs"/>
               </a:rPr>
-              <a:t>Case 1 : device with IP can establish secure connections via the </a:t>
-            </a:r>
-            <a:r>
-              <a:rPr lang="en-US" sz="1200" b="0" i="0" u="none" strike="noStrike" kern="1200" baseline="0" dirty="0" smtClean="0">
-                <a:solidFill>
-                  <a:schemeClr val="tx1"/>
-                </a:solidFill>
-                <a:latin typeface="+mn-lt"/>
-                <a:ea typeface="+mn-ea"/>
-                <a:cs typeface="+mn-cs"/>
-              </a:rPr>
-              <a:t>Internet.</a:t>
-            </a:r>
-            <a:endParaRPr lang="en-US" sz="1200" b="0" i="0" u="none" strike="noStrike" kern="1200" baseline="0" dirty="0">
-              <a:solidFill>
-                <a:schemeClr val="tx1"/>
-              </a:solidFill>
-              <a:latin typeface="+mn-lt"/>
-              <a:ea typeface="+mn-ea"/>
-              <a:cs typeface="+mn-cs"/>
-            </a:endParaRPr>
+              <a:t>Case 1 : device with IP can establish secure connections via the Internet.</a:t>
+            </a:r>
           </a:p>
           <a:p>
             <a:pPr marL="171450" indent="-171450">
@@ -2910,7 +2765,7 @@
               <a:buFont typeface="Arial"/>
               <a:buNone/>
             </a:pPr>
-            <a:endParaRPr lang="en-US" dirty="0" smtClean="0"/>
+            <a:endParaRPr lang="en-US" dirty="0"/>
           </a:p>
           <a:p>
             <a:pPr marL="0" indent="0">
@@ -3007,7 +2862,7 @@
               <a:buNone/>
             </a:pPr>
             <a:r>
-              <a:rPr lang="en-US" b="1" dirty="0" smtClean="0"/>
+              <a:rPr lang="en-US" b="1" dirty="0"/>
               <a:t>Notes:</a:t>
             </a:r>
           </a:p>
@@ -3017,12 +2872,8 @@
               <a:buChar char="•"/>
             </a:pPr>
             <a:r>
-              <a:rPr lang="en-US" dirty="0" smtClean="0"/>
-              <a:t>Heterogeneous </a:t>
-            </a:r>
-            <a:r>
               <a:rPr lang="en-US" dirty="0"/>
-              <a:t>device makes it possible to enable secure, efficient, and robust communication between nearly any kind of device and a cloud gateway.</a:t>
+              <a:t>Heterogeneous device makes it possible to enable secure, efficient, and robust communication between nearly any kind of device and a cloud gateway.</a:t>
             </a:r>
           </a:p>
           <a:p>
@@ -3142,7 +2993,7 @@
               <a:buNone/>
             </a:pPr>
             <a:r>
-              <a:rPr lang="en-US" sz="1200" b="1" i="0" u="none" strike="noStrike" kern="1200" baseline="0" dirty="0" smtClean="0">
+              <a:rPr lang="en-US" sz="1200" b="1" i="0" u="none" strike="noStrike" kern="1200" baseline="0" dirty="0">
                 <a:solidFill>
                   <a:schemeClr val="tx1"/>
                 </a:solidFill>
@@ -3159,7 +3010,7 @@
               <a:buChar char="•"/>
             </a:pPr>
             <a:r>
-              <a:rPr lang="en-US" sz="1200" b="0" i="0" u="none" strike="noStrike" kern="1200" baseline="0" dirty="0" smtClean="0">
+              <a:rPr lang="en-US" sz="1200" b="0" i="0" u="none" strike="noStrike" kern="1200" baseline="0" dirty="0">
                 <a:solidFill>
                   <a:schemeClr val="tx1"/>
                 </a:solidFill>
@@ -3167,18 +3018,7 @@
                 <a:ea typeface="+mn-ea"/>
                 <a:cs typeface="+mn-cs"/>
               </a:rPr>
-              <a:t>Field </a:t>
-            </a:r>
-            <a:r>
-              <a:rPr lang="en-US" sz="1200" b="0" i="0" u="none" strike="noStrike" kern="1200" baseline="0" dirty="0">
-                <a:solidFill>
-                  <a:schemeClr val="tx1"/>
-                </a:solidFill>
-                <a:latin typeface="+mn-lt"/>
-                <a:ea typeface="+mn-ea"/>
-                <a:cs typeface="+mn-cs"/>
-              </a:rPr>
-              <a:t>gateway can filter or aggregate the device telemetry and thus reduce the amount of data being transferred to the cloud back end. </a:t>
+              <a:t>Field gateway can filter or aggregate the device telemetry and thus reduce the amount of data being transferred to the cloud back end. </a:t>
             </a:r>
             <a:endParaRPr lang="en-US" dirty="0"/>
           </a:p>
@@ -3270,7 +3110,7 @@
               <a:buNone/>
             </a:pPr>
             <a:r>
-              <a:rPr lang="en-US" b="1" dirty="0" smtClean="0"/>
+              <a:rPr lang="en-US" b="1" dirty="0"/>
               <a:t>Notes:</a:t>
             </a:r>
           </a:p>
@@ -3280,12 +3120,8 @@
               <a:buChar char="•"/>
             </a:pPr>
             <a:r>
-              <a:rPr lang="en-US" dirty="0" smtClean="0"/>
-              <a:t>The </a:t>
-            </a:r>
-            <a:r>
               <a:rPr lang="en-US" dirty="0"/>
-              <a:t>role of the main cloud gateway in Azure</a:t>
+              <a:t>The role of the main cloud gateway in Azure</a:t>
             </a:r>
             <a:r>
               <a:rPr lang="en-US" baseline="0" dirty="0"/>
@@ -3397,7 +3233,7 @@
               <a:buNone/>
             </a:pPr>
             <a:r>
-              <a:rPr lang="en-US" sz="1200" b="1" i="0" u="none" strike="noStrike" kern="1200" baseline="0" dirty="0" smtClean="0">
+              <a:rPr lang="en-US" sz="1200" b="1" i="0" u="none" strike="noStrike" kern="1200" baseline="0" dirty="0">
                 <a:solidFill>
                   <a:schemeClr val="tx1"/>
                 </a:solidFill>
@@ -3414,7 +3250,7 @@
               <a:buChar char="•"/>
             </a:pPr>
             <a:r>
-              <a:rPr lang="en-US" sz="1200" b="0" i="0" u="none" strike="noStrike" kern="1200" baseline="0" dirty="0" smtClean="0">
+              <a:rPr lang="en-US" sz="1200" b="0" i="0" u="none" strike="noStrike" kern="1200" baseline="0" dirty="0">
                 <a:solidFill>
                   <a:schemeClr val="tx1"/>
                 </a:solidFill>
@@ -3422,18 +3258,7 @@
                 <a:ea typeface="+mn-ea"/>
                 <a:cs typeface="+mn-cs"/>
               </a:rPr>
-              <a:t>Field </a:t>
-            </a:r>
-            <a:r>
-              <a:rPr lang="en-US" sz="1200" b="0" i="0" u="none" strike="noStrike" kern="1200" baseline="0" dirty="0">
-                <a:solidFill>
-                  <a:schemeClr val="tx1"/>
-                </a:solidFill>
-                <a:latin typeface="+mn-lt"/>
-                <a:ea typeface="+mn-ea"/>
-                <a:cs typeface="+mn-cs"/>
-              </a:rPr>
-              <a:t>gateway can filter or aggregate the device telemetry and thus reduce the amount of data being transferred to the cloud back end. </a:t>
+              <a:t>Field gateway can filter or aggregate the device telemetry and thus reduce the amount of data being transferred to the cloud back end. </a:t>
             </a:r>
           </a:p>
           <a:p>
@@ -3511,27 +3336,8 @@
                 <a:ea typeface="+mn-ea"/>
                 <a:cs typeface="+mn-cs"/>
               </a:rPr>
-              <a:t> Hub</a:t>
-            </a:r>
-            <a:r>
-              <a:rPr lang="en-US" sz="1200" b="0" i="0" u="none" strike="noStrike" kern="1200" baseline="0" dirty="0" smtClean="0">
-                <a:solidFill>
-                  <a:schemeClr val="tx1"/>
-                </a:solidFill>
-                <a:latin typeface="+mn-lt"/>
-                <a:ea typeface="+mn-ea"/>
-                <a:cs typeface="+mn-cs"/>
-              </a:rPr>
-              <a:t>.</a:t>
-            </a:r>
-            <a:endParaRPr lang="en-US" sz="1200" b="0" i="0" u="none" strike="noStrike" kern="1200" baseline="0" dirty="0">
-              <a:solidFill>
-                <a:schemeClr val="tx1"/>
-              </a:solidFill>
-              <a:latin typeface="+mn-lt"/>
-              <a:ea typeface="+mn-ea"/>
-              <a:cs typeface="+mn-cs"/>
-            </a:endParaRPr>
+              <a:t> Hub.</a:t>
+            </a:r>
           </a:p>
         </p:txBody>
       </p:sp>
@@ -3761,7 +3567,7 @@
   <p:clrMapOvr>
     <a:masterClrMapping/>
   </p:clrMapOvr>
-  <p:transition xmlns:p14="http://schemas.microsoft.com/office/powerpoint/2010/main">
+  <p:transition>
     <p:fade/>
   </p:transition>
 </p:sldLayout>
@@ -4382,7 +4188,7 @@
   <p:clrMapOvr>
     <a:masterClrMapping/>
   </p:clrMapOvr>
-  <p:transition xmlns:p14="http://schemas.microsoft.com/office/powerpoint/2010/main">
+  <p:transition>
     <p:fade/>
   </p:transition>
 </p:sldLayout>
@@ -4930,7 +4736,7 @@
           </a:ln>
           <a:extLst>
             <a:ext uri="{91240B29-F687-4f45-9708-019B960494DF}">
-              <a14:hiddenLine xmlns:a14="http://schemas.microsoft.com/office/drawing/2010/main" w="9525">
+              <a14:hiddenLine xmlns:a14="http://schemas.microsoft.com/office/drawing/2010/main" xmlns="" w="9525">
                 <a:solidFill>
                   <a:srgbClr val="000000"/>
                 </a:solidFill>
@@ -4968,7 +4774,7 @@
   <p:clrMapOvr>
     <a:masterClrMapping/>
   </p:clrMapOvr>
-  <p:transition xmlns:p14="http://schemas.microsoft.com/office/powerpoint/2010/main">
+  <p:transition>
     <p:fade/>
   </p:transition>
 </p:sldLayout>
@@ -6569,7 +6375,7 @@
   <p:clrMapOvr>
     <a:masterClrMapping/>
   </p:clrMapOvr>
-  <p:transition xmlns:p14="http://schemas.microsoft.com/office/powerpoint/2010/main">
+  <p:transition>
     <p:fade/>
   </p:transition>
 </p:sldLayout>
@@ -7198,7 +7004,7 @@
   <p:clrMapOvr>
     <a:masterClrMapping/>
   </p:clrMapOvr>
-  <p:transition xmlns:p14="http://schemas.microsoft.com/office/powerpoint/2010/main">
+  <p:transition>
     <p:fade/>
   </p:transition>
 </p:sldLayout>
@@ -7505,7 +7311,7 @@
             </a:ln>
             <a:extLst>
               <a:ext uri="{91240B29-F687-4f45-9708-019B960494DF}">
-                <a14:hiddenLine xmlns:a14="http://schemas.microsoft.com/office/drawing/2010/main" w="9525">
+                <a14:hiddenLine xmlns:a14="http://schemas.microsoft.com/office/drawing/2010/main" xmlns="" w="9525">
                   <a:solidFill>
                     <a:srgbClr val="000000"/>
                   </a:solidFill>
@@ -8084,7 +7890,7 @@
             </a:ln>
             <a:extLst>
               <a:ext uri="{91240B29-F687-4f45-9708-019B960494DF}">
-                <a14:hiddenLine xmlns:a14="http://schemas.microsoft.com/office/drawing/2010/main" w="9525">
+                <a14:hiddenLine xmlns:a14="http://schemas.microsoft.com/office/drawing/2010/main" xmlns="" w="9525">
                   <a:solidFill>
                     <a:srgbClr val="000000"/>
                   </a:solidFill>
@@ -8123,7 +7929,7 @@
   <p:clrMapOvr>
     <a:masterClrMapping/>
   </p:clrMapOvr>
-  <p:transition xmlns:p14="http://schemas.microsoft.com/office/powerpoint/2010/main">
+  <p:transition>
     <p:fade/>
   </p:transition>
 </p:sldLayout>
@@ -8260,7 +8066,7 @@
   <p:clrMapOvr>
     <a:masterClrMapping/>
   </p:clrMapOvr>
-  <p:transition xmlns:p14="http://schemas.microsoft.com/office/powerpoint/2010/main">
+  <p:transition>
     <p:fade/>
   </p:transition>
 </p:sldLayout>
@@ -9526,7 +9332,7 @@
             </a:ln>
             <a:extLst>
               <a:ext uri="{91240B29-F687-4f45-9708-019B960494DF}">
-                <a14:hiddenLine xmlns:a14="http://schemas.microsoft.com/office/drawing/2010/main" w="9525">
+                <a14:hiddenLine xmlns:a14="http://schemas.microsoft.com/office/drawing/2010/main" xmlns="" w="9525">
                   <a:solidFill>
                     <a:srgbClr val="000000"/>
                   </a:solidFill>
@@ -9577,7 +9383,7 @@
             </a:ln>
             <a:extLst>
               <a:ext uri="{91240B29-F687-4f45-9708-019B960494DF}">
-                <a14:hiddenLine xmlns:a14="http://schemas.microsoft.com/office/drawing/2010/main" w="9525">
+                <a14:hiddenLine xmlns:a14="http://schemas.microsoft.com/office/drawing/2010/main" xmlns="" w="9525">
                   <a:solidFill>
                     <a:srgbClr val="000000"/>
                   </a:solidFill>
@@ -9628,7 +9434,7 @@
             </a:ln>
             <a:extLst>
               <a:ext uri="{91240B29-F687-4f45-9708-019B960494DF}">
-                <a14:hiddenLine xmlns:a14="http://schemas.microsoft.com/office/drawing/2010/main" w="9525">
+                <a14:hiddenLine xmlns:a14="http://schemas.microsoft.com/office/drawing/2010/main" xmlns="" w="9525">
                   <a:solidFill>
                     <a:srgbClr val="000000"/>
                   </a:solidFill>
@@ -9679,7 +9485,7 @@
             </a:ln>
             <a:extLst>
               <a:ext uri="{91240B29-F687-4f45-9708-019B960494DF}">
-                <a14:hiddenLine xmlns:a14="http://schemas.microsoft.com/office/drawing/2010/main" w="9525">
+                <a14:hiddenLine xmlns:a14="http://schemas.microsoft.com/office/drawing/2010/main" xmlns="" w="9525">
                   <a:solidFill>
                     <a:srgbClr val="000000"/>
                   </a:solidFill>
@@ -9730,7 +9536,7 @@
             </a:ln>
             <a:extLst>
               <a:ext uri="{91240B29-F687-4f45-9708-019B960494DF}">
-                <a14:hiddenLine xmlns:a14="http://schemas.microsoft.com/office/drawing/2010/main" w="9525">
+                <a14:hiddenLine xmlns:a14="http://schemas.microsoft.com/office/drawing/2010/main" xmlns="" w="9525">
                   <a:solidFill>
                     <a:srgbClr val="000000"/>
                   </a:solidFill>
@@ -9877,7 +9683,7 @@
   <p:clrMapOvr>
     <a:overrideClrMapping bg1="lt1" tx1="dk1" bg2="lt2" tx2="dk2" accent1="accent1" accent2="accent2" accent3="accent3" accent4="accent4" accent5="accent5" accent6="accent6" hlink="hlink" folHlink="folHlink"/>
   </p:clrMapOvr>
-  <p:transition xmlns:p14="http://schemas.microsoft.com/office/powerpoint/2010/main">
+  <p:transition>
     <p:fade/>
   </p:transition>
 </p:sldLayout>
@@ -10130,7 +9936,7 @@
   <p:clrMapOvr>
     <a:masterClrMapping/>
   </p:clrMapOvr>
-  <p:transition xmlns:p14="http://schemas.microsoft.com/office/powerpoint/2010/main">
+  <p:transition>
     <p:fade/>
   </p:transition>
 </p:sldLayout>
@@ -10436,7 +10242,7 @@
   <p:clrMapOvr>
     <a:masterClrMapping/>
   </p:clrMapOvr>
-  <p:transition xmlns:p14="http://schemas.microsoft.com/office/powerpoint/2010/main">
+  <p:transition>
     <p:fade/>
   </p:transition>
 </p:sldLayout>
@@ -10651,7 +10457,7 @@
   <p:clrMapOvr>
     <a:masterClrMapping/>
   </p:clrMapOvr>
-  <p:transition xmlns:p14="http://schemas.microsoft.com/office/powerpoint/2010/main">
+  <p:transition>
     <p:fade/>
   </p:transition>
 </p:sldLayout>
@@ -10804,7 +10610,7 @@
   <p:clrMapOvr>
     <a:masterClrMapping/>
   </p:clrMapOvr>
-  <p:transition xmlns:p14="http://schemas.microsoft.com/office/powerpoint/2010/main">
+  <p:transition>
     <p:fade/>
   </p:transition>
 </p:sldLayout>
@@ -11443,7 +11249,7 @@
   <p:clrMapOvr>
     <a:masterClrMapping/>
   </p:clrMapOvr>
-  <p:transition xmlns:p14="http://schemas.microsoft.com/office/powerpoint/2010/main">
+  <p:transition>
     <p:fade/>
   </p:transition>
 </p:sldLayout>
@@ -11604,7 +11410,7 @@
                 <a:latin typeface="Segoe UI"/>
               </a:rPr>
               <a:pPr/>
-              <a:t>7/7/16</a:t>
+              <a:t>11/5/2017</a:t>
             </a:fld>
             <a:endParaRPr lang="en-US">
               <a:solidFill>
@@ -11809,7 +11615,7 @@
                 <a:latin typeface="Segoe UI"/>
               </a:rPr>
               <a:pPr/>
-              <a:t>7/7/16</a:t>
+              <a:t>11/5/2017</a:t>
             </a:fld>
             <a:endParaRPr lang="en-US">
               <a:solidFill>
@@ -12107,7 +11913,7 @@
                 <a:latin typeface="Segoe UI"/>
               </a:rPr>
               <a:pPr/>
-              <a:t>7/7/16</a:t>
+              <a:t>11/5/2017</a:t>
             </a:fld>
             <a:endParaRPr lang="en-US">
               <a:solidFill>
@@ -12451,7 +12257,7 @@
                 <a:latin typeface="Segoe UI"/>
               </a:rPr>
               <a:pPr/>
-              <a:t>7/7/16</a:t>
+              <a:t>11/5/2017</a:t>
             </a:fld>
             <a:endParaRPr lang="en-US">
               <a:solidFill>
@@ -12826,7 +12632,7 @@
                 <a:latin typeface="Segoe UI"/>
               </a:rPr>
               <a:pPr/>
-              <a:t>7/7/16</a:t>
+              <a:t>11/5/2017</a:t>
             </a:fld>
             <a:endParaRPr lang="en-US">
               <a:solidFill>
@@ -13955,7 +13761,7 @@
   <p:clrMapOvr>
     <a:masterClrMapping/>
   </p:clrMapOvr>
-  <p:transition xmlns:p14="http://schemas.microsoft.com/office/powerpoint/2010/main">
+  <p:transition>
     <p:fade/>
   </p:transition>
 </p:sldLayout>
@@ -14137,7 +13943,7 @@
                 <a:latin typeface="Segoe UI"/>
               </a:rPr>
               <a:pPr/>
-              <a:t>7/7/16</a:t>
+              <a:t>11/5/2017</a:t>
             </a:fld>
             <a:endParaRPr lang="en-US">
               <a:solidFill>
@@ -14538,7 +14344,7 @@
                 <a:latin typeface="Segoe UI"/>
               </a:rPr>
               <a:pPr/>
-              <a:t>7/7/16</a:t>
+              <a:t>11/5/2017</a:t>
             </a:fld>
             <a:endParaRPr lang="en-US">
               <a:solidFill>
@@ -14692,7 +14498,7 @@
                 <a:latin typeface="Segoe UI"/>
               </a:rPr>
               <a:pPr/>
-              <a:t>7/7/16</a:t>
+              <a:t>11/5/2017</a:t>
             </a:fld>
             <a:endParaRPr lang="en-US">
               <a:solidFill>
@@ -14824,7 +14630,7 @@
                 <a:latin typeface="Segoe UI"/>
               </a:rPr>
               <a:pPr/>
-              <a:t>7/7/16</a:t>
+              <a:t>11/5/2017</a:t>
             </a:fld>
             <a:endParaRPr lang="en-US">
               <a:solidFill>
@@ -15136,7 +14942,7 @@
                 <a:latin typeface="Segoe UI"/>
               </a:rPr>
               <a:pPr/>
-              <a:t>7/7/16</a:t>
+              <a:t>11/5/2017</a:t>
             </a:fld>
             <a:endParaRPr lang="en-US">
               <a:solidFill>
@@ -15425,7 +15231,7 @@
                 <a:latin typeface="Segoe UI"/>
               </a:rPr>
               <a:pPr/>
-              <a:t>7/7/16</a:t>
+              <a:t>11/5/2017</a:t>
             </a:fld>
             <a:endParaRPr lang="en-US">
               <a:solidFill>
@@ -15630,7 +15436,7 @@
                 <a:latin typeface="Segoe UI"/>
               </a:rPr>
               <a:pPr/>
-              <a:t>7/7/16</a:t>
+              <a:t>11/5/2017</a:t>
             </a:fld>
             <a:endParaRPr lang="en-US">
               <a:solidFill>
@@ -15845,7 +15651,7 @@
                 <a:latin typeface="Segoe UI"/>
               </a:rPr>
               <a:pPr/>
-              <a:t>7/7/16</a:t>
+              <a:t>11/5/2017</a:t>
             </a:fld>
             <a:endParaRPr lang="en-US">
               <a:solidFill>
@@ -16088,7 +15894,7 @@
                 <a:latin typeface="Segoe UI"/>
               </a:rPr>
               <a:pPr/>
-              <a:t>7/7/16</a:t>
+              <a:t>11/5/2017</a:t>
             </a:fld>
             <a:endParaRPr lang="en-US">
               <a:solidFill>
@@ -16293,7 +16099,7 @@
                 <a:latin typeface="Segoe UI"/>
               </a:rPr>
               <a:pPr/>
-              <a:t>7/7/16</a:t>
+              <a:t>11/5/2017</a:t>
             </a:fld>
             <a:endParaRPr lang="en-US">
               <a:solidFill>
@@ -16834,7 +16640,7 @@
   <p:clrMapOvr>
     <a:masterClrMapping/>
   </p:clrMapOvr>
-  <p:transition xmlns:p14="http://schemas.microsoft.com/office/powerpoint/2010/main">
+  <p:transition>
     <p:fade/>
   </p:transition>
 </p:sldLayout>
@@ -17048,7 +16854,7 @@
                 <a:latin typeface="Segoe UI"/>
               </a:rPr>
               <a:pPr/>
-              <a:t>7/7/16</a:t>
+              <a:t>11/5/2017</a:t>
             </a:fld>
             <a:endParaRPr lang="en-US">
               <a:solidFill>
@@ -17392,7 +17198,7 @@
                 <a:latin typeface="Segoe UI"/>
               </a:rPr>
               <a:pPr/>
-              <a:t>7/7/16</a:t>
+              <a:t>11/5/2017</a:t>
             </a:fld>
             <a:endParaRPr lang="en-US">
               <a:solidFill>
@@ -17767,7 +17573,7 @@
                 <a:latin typeface="Segoe UI"/>
               </a:rPr>
               <a:pPr/>
-              <a:t>7/7/16</a:t>
+              <a:t>11/5/2017</a:t>
             </a:fld>
             <a:endParaRPr lang="en-US">
               <a:solidFill>
@@ -18711,7 +18517,7 @@
                 <a:latin typeface="Segoe UI"/>
               </a:rPr>
               <a:pPr/>
-              <a:t>7/7/16</a:t>
+              <a:t>11/5/2017</a:t>
             </a:fld>
             <a:endParaRPr lang="en-US">
               <a:solidFill>
@@ -19112,7 +18918,7 @@
                 <a:latin typeface="Segoe UI"/>
               </a:rPr>
               <a:pPr/>
-              <a:t>7/7/16</a:t>
+              <a:t>11/5/2017</a:t>
             </a:fld>
             <a:endParaRPr lang="en-US">
               <a:solidFill>
@@ -19266,7 +19072,7 @@
                 <a:latin typeface="Segoe UI"/>
               </a:rPr>
               <a:pPr/>
-              <a:t>7/7/16</a:t>
+              <a:t>11/5/2017</a:t>
             </a:fld>
             <a:endParaRPr lang="en-US">
               <a:solidFill>
@@ -19398,7 +19204,7 @@
                 <a:latin typeface="Segoe UI"/>
               </a:rPr>
               <a:pPr/>
-              <a:t>7/7/16</a:t>
+              <a:t>11/5/2017</a:t>
             </a:fld>
             <a:endParaRPr lang="en-US">
               <a:solidFill>
@@ -20045,7 +19851,7 @@
   <p:clrMapOvr>
     <a:masterClrMapping/>
   </p:clrMapOvr>
-  <p:transition xmlns:p14="http://schemas.microsoft.com/office/powerpoint/2010/main">
+  <p:transition>
     <p:fade/>
   </p:transition>
 </p:sldLayout>
@@ -20273,7 +20079,7 @@
                 <a:latin typeface="Segoe UI"/>
               </a:rPr>
               <a:pPr/>
-              <a:t>7/7/16</a:t>
+              <a:t>11/5/2017</a:t>
             </a:fld>
             <a:endParaRPr lang="en-US">
               <a:solidFill>
@@ -20562,7 +20368,7 @@
                 <a:latin typeface="Segoe UI"/>
               </a:rPr>
               <a:pPr/>
-              <a:t>7/7/16</a:t>
+              <a:t>11/5/2017</a:t>
             </a:fld>
             <a:endParaRPr lang="en-US">
               <a:solidFill>
@@ -20767,7 +20573,7 @@
                 <a:latin typeface="Segoe UI"/>
               </a:rPr>
               <a:pPr/>
-              <a:t>7/7/16</a:t>
+              <a:t>11/5/2017</a:t>
             </a:fld>
             <a:endParaRPr lang="en-US">
               <a:solidFill>
@@ -20982,7 +20788,7 @@
                 <a:latin typeface="Segoe UI"/>
               </a:rPr>
               <a:pPr/>
-              <a:t>7/7/16</a:t>
+              <a:t>11/5/2017</a:t>
             </a:fld>
             <a:endParaRPr lang="en-US">
               <a:solidFill>
@@ -21221,7 +21027,7 @@
   <p:clrMapOvr>
     <a:masterClrMapping/>
   </p:clrMapOvr>
-  <p:transition xmlns:p14="http://schemas.microsoft.com/office/powerpoint/2010/main">
+  <p:transition>
     <p:fade/>
   </p:transition>
 </p:sldLayout>
@@ -21323,7 +21129,7 @@
   <p:clrMapOvr>
     <a:masterClrMapping/>
   </p:clrMapOvr>
-  <p:transition xmlns:p14="http://schemas.microsoft.com/office/powerpoint/2010/main">
+  <p:transition>
     <p:fade/>
   </p:transition>
 </p:sldLayout>
@@ -21393,7 +21199,7 @@
   <p:clrMapOvr>
     <a:masterClrMapping/>
   </p:clrMapOvr>
-  <p:transition xmlns:p14="http://schemas.microsoft.com/office/powerpoint/2010/main">
+  <p:transition>
     <p:fade/>
   </p:transition>
 </p:sldLayout>
@@ -21426,7 +21232,7 @@
   <p:clrMapOvr>
     <a:masterClrMapping/>
   </p:clrMapOvr>
-  <p:transition xmlns:p14="http://schemas.microsoft.com/office/powerpoint/2010/main">
+  <p:transition>
     <p:fade/>
   </p:transition>
 </p:sldLayout>
@@ -22020,7 +21826,7 @@
   <p:clrMapOvr>
     <a:masterClrMapping/>
   </p:clrMapOvr>
-  <p:transition xmlns:p14="http://schemas.microsoft.com/office/powerpoint/2010/main">
+  <p:transition>
     <p:fade/>
   </p:transition>
 </p:sldLayout>
@@ -22177,7 +21983,7 @@
     <p:sldLayoutId id="2147483700" r:id="rId20"/>
     <p:sldLayoutId id="2147483701" r:id="rId21"/>
   </p:sldLayoutIdLst>
-  <p:transition xmlns:p14="http://schemas.microsoft.com/office/powerpoint/2010/main">
+  <p:transition>
     <p:fade/>
   </p:transition>
   <p:txStyles>
@@ -22667,7 +22473,7 @@
                 <a:latin typeface="Segoe UI"/>
               </a:rPr>
               <a:pPr/>
-              <a:t>7/7/16</a:t>
+              <a:t>11/5/2017</a:t>
             </a:fld>
             <a:endParaRPr lang="en-US">
               <a:solidFill>
@@ -23247,7 +23053,7 @@
                 <a:latin typeface="Segoe UI"/>
               </a:rPr>
               <a:pPr/>
-              <a:t>7/7/16</a:t>
+              <a:t>11/5/2017</a:t>
             </a:fld>
             <a:endParaRPr lang="en-US">
               <a:solidFill>
@@ -23705,34 +23511,14 @@
           <a:lstStyle/>
           <a:p>
             <a:r>
-              <a:rPr lang="en-US" sz="5400" dirty="0" smtClean="0">
+              <a:rPr lang="en-US" sz="5400" dirty="0">
                 <a:solidFill>
                   <a:srgbClr val="FFFFFF"/>
                 </a:solidFill>
                 <a:latin typeface="Segoe UI" panose="020B0502040204020203" pitchFamily="34" charset="0"/>
                 <a:cs typeface="Segoe UI" panose="020B0502040204020203" pitchFamily="34" charset="0"/>
               </a:rPr>
-              <a:t>Internet </a:t>
-            </a:r>
-            <a:r>
-              <a:rPr lang="en-US" sz="5400" dirty="0">
-                <a:solidFill>
-                  <a:srgbClr val="FFFFFF"/>
-                </a:solidFill>
-                <a:latin typeface="Segoe UI" panose="020B0502040204020203" pitchFamily="34" charset="0"/>
-                <a:cs typeface="Segoe UI" panose="020B0502040204020203" pitchFamily="34" charset="0"/>
-              </a:rPr>
-              <a:t>of </a:t>
-            </a:r>
-            <a:r>
-              <a:rPr lang="en-US" sz="5400" dirty="0" smtClean="0">
-                <a:solidFill>
-                  <a:srgbClr val="FFFFFF"/>
-                </a:solidFill>
-                <a:latin typeface="Segoe UI" panose="020B0502040204020203" pitchFamily="34" charset="0"/>
-                <a:cs typeface="Segoe UI" panose="020B0502040204020203" pitchFamily="34" charset="0"/>
-              </a:rPr>
-              <a:t>Things</a:t>
+              <a:t>Internet of Things</a:t>
             </a:r>
             <a:endParaRPr lang="en-US" sz="5400" dirty="0"/>
           </a:p>
@@ -23808,21 +23594,7 @@
                 <a:latin typeface="Segoe UI" panose="020B0502040204020203" pitchFamily="34" charset="0"/>
                 <a:cs typeface="Segoe UI" panose="020B0502040204020203" pitchFamily="34" charset="0"/>
               </a:rPr>
-              <a:t> </a:t>
-            </a:r>
-            <a:r>
-              <a:rPr lang="en-US" dirty="0" smtClean="0">
-                <a:latin typeface="Segoe UI" panose="020B0502040204020203" pitchFamily="34" charset="0"/>
-                <a:cs typeface="Segoe UI" panose="020B0502040204020203" pitchFamily="34" charset="0"/>
-              </a:rPr>
-              <a:t>Devices </a:t>
-            </a:r>
-            <a:r>
-              <a:rPr lang="en-US" dirty="0">
-                <a:latin typeface="Segoe UI" panose="020B0502040204020203" pitchFamily="34" charset="0"/>
-                <a:cs typeface="Segoe UI" panose="020B0502040204020203" pitchFamily="34" charset="0"/>
-              </a:rPr>
-              <a:t>to Azure</a:t>
+              <a:t> Devices to Azure</a:t>
             </a:r>
             <a:endParaRPr lang="en-US" sz="4000" dirty="0">
               <a:solidFill>
@@ -23900,23 +23672,8 @@
                 </a:solidFill>
                 <a:latin typeface="Segoe UI"/>
               </a:rPr>
-              <a:t> </a:t>
-            </a:r>
-            <a:r>
-              <a:rPr lang="en-US" sz="4800" dirty="0" smtClean="0">
-                <a:solidFill>
-                  <a:prstClr val="black"/>
-                </a:solidFill>
-                <a:latin typeface="Segoe UI"/>
-              </a:rPr>
-              <a:t>Client</a:t>
-            </a:r>
-            <a:endParaRPr lang="en-US" sz="4800" dirty="0">
-              <a:solidFill>
-                <a:prstClr val="black"/>
-              </a:solidFill>
-              <a:latin typeface="Segoe UI"/>
-            </a:endParaRPr>
+              <a:t> Client</a:t>
+            </a:r>
           </a:p>
         </p:txBody>
       </p:sp>
@@ -24334,29 +24091,8 @@
           <a:p>
             <a:r>
               <a:rPr lang="en-US" sz="4800" dirty="0"/>
-              <a:t>Device </a:t>
-            </a:r>
-            <a:r>
-              <a:rPr lang="en-US" sz="4800" dirty="0" smtClean="0"/>
-              <a:t>Identity </a:t>
-            </a:r>
-            <a:r>
-              <a:rPr lang="en-US" sz="4800" dirty="0"/>
-              <a:t>and </a:t>
-            </a:r>
-            <a:r>
-              <a:rPr lang="en-US" sz="4800" dirty="0" smtClean="0"/>
-              <a:t>Registry </a:t>
-            </a:r>
-            <a:r>
-              <a:rPr lang="en-US" sz="4800" dirty="0"/>
-              <a:t>S</a:t>
-            </a:r>
-            <a:r>
-              <a:rPr lang="en-US" sz="4800" dirty="0" smtClean="0"/>
-              <a:t>tore</a:t>
-            </a:r>
-            <a:endParaRPr lang="en-US" sz="4800" dirty="0"/>
+              <a:t>Device Identity and Registry Store</a:t>
+            </a:r>
           </a:p>
         </p:txBody>
       </p:sp>
@@ -24456,7 +24192,7 @@
             <a:p>
               <a:pPr algn="ctr"/>
               <a:r>
-                <a:rPr lang="en-US" dirty="0" smtClean="0">
+                <a:rPr lang="en-US" dirty="0">
                   <a:solidFill>
                     <a:schemeClr val="bg1"/>
                   </a:solidFill>
@@ -24509,7 +24245,7 @@
             <a:p>
               <a:pPr algn="ctr"/>
               <a:r>
-                <a:rPr lang="en-US" dirty="0" smtClean="0">
+                <a:rPr lang="en-US" dirty="0">
                   <a:solidFill>
                     <a:schemeClr val="bg1"/>
                   </a:solidFill>
@@ -24562,7 +24298,7 @@
             <a:p>
               <a:pPr algn="ctr"/>
               <a:r>
-                <a:rPr lang="en-US" dirty="0" smtClean="0">
+                <a:rPr lang="en-US" dirty="0">
                   <a:solidFill>
                     <a:schemeClr val="bg1"/>
                   </a:solidFill>
@@ -24617,7 +24353,7 @@
             <a:p>
               <a:pPr algn="ctr"/>
               <a:r>
-                <a:rPr lang="en-US" dirty="0" smtClean="0">
+                <a:rPr lang="en-US" dirty="0">
                   <a:solidFill>
                     <a:schemeClr val="bg1"/>
                   </a:solidFill>
@@ -24750,7 +24486,7 @@
             <a:p>
               <a:pPr algn="ctr"/>
               <a:r>
-                <a:rPr lang="en-US" dirty="0" smtClean="0">
+                <a:rPr lang="en-US" dirty="0">
                   <a:solidFill>
                     <a:schemeClr val="bg1"/>
                   </a:solidFill>
@@ -24805,7 +24541,7 @@
             <a:p>
               <a:pPr algn="ctr"/>
               <a:r>
-                <a:rPr lang="en-US" dirty="0" smtClean="0">
+                <a:rPr lang="en-US" dirty="0">
                   <a:solidFill>
                     <a:schemeClr val="bg1"/>
                   </a:solidFill>
@@ -25012,7 +24748,7 @@
             <a:p>
               <a:pPr algn="ctr"/>
               <a:r>
-                <a:rPr lang="en-US" dirty="0" smtClean="0">
+                <a:rPr lang="en-US" dirty="0">
                   <a:solidFill>
                     <a:schemeClr val="bg1"/>
                   </a:solidFill>
@@ -25104,7 +24840,7 @@
             <a:p>
               <a:pPr algn="ctr"/>
               <a:r>
-                <a:rPr lang="en-US" dirty="0" smtClean="0">
+                <a:rPr lang="en-US" dirty="0">
                   <a:solidFill>
                     <a:schemeClr val="bg1"/>
                   </a:solidFill>
@@ -25329,23 +25065,8 @@
                 </a:solidFill>
                 <a:latin typeface="Segoe UI"/>
               </a:rPr>
-              <a:t>Device P</a:t>
-            </a:r>
-            <a:r>
-              <a:rPr lang="en-US" sz="4800" dirty="0" smtClean="0">
-                <a:solidFill>
-                  <a:prstClr val="black"/>
-                </a:solidFill>
-                <a:latin typeface="Segoe UI"/>
-              </a:rPr>
-              <a:t>rovisioning</a:t>
-            </a:r>
-            <a:endParaRPr lang="en-US" sz="4800" dirty="0">
-              <a:solidFill>
-                <a:prstClr val="black"/>
-              </a:solidFill>
-              <a:latin typeface="Segoe UI"/>
-            </a:endParaRPr>
+              <a:t>Device Provisioning</a:t>
+            </a:r>
           </a:p>
         </p:txBody>
       </p:sp>
@@ -25758,41 +25479,8 @@
                 </a:solidFill>
                 <a:latin typeface="Segoe UI"/>
               </a:rPr>
-              <a:t>Device </a:t>
-            </a:r>
-            <a:r>
-              <a:rPr lang="en-US" sz="4800" dirty="0" smtClean="0">
-                <a:solidFill>
-                  <a:prstClr val="black"/>
-                </a:solidFill>
-                <a:latin typeface="Segoe UI"/>
-              </a:rPr>
-              <a:t>State </a:t>
-            </a:r>
-            <a:r>
-              <a:rPr lang="en-US" sz="4800" dirty="0">
-                <a:solidFill>
-                  <a:prstClr val="black"/>
-                </a:solidFill>
-                <a:latin typeface="Segoe UI"/>
-              </a:rPr>
-              <a:t>S</a:t>
-            </a:r>
-            <a:r>
-              <a:rPr lang="en-US" sz="4800" dirty="0" smtClean="0">
-                <a:solidFill>
-                  <a:prstClr val="black"/>
-                </a:solidFill>
-                <a:latin typeface="Segoe UI"/>
-              </a:rPr>
-              <a:t>tore</a:t>
-            </a:r>
-            <a:endParaRPr lang="en-US" sz="4800" dirty="0">
-              <a:solidFill>
-                <a:prstClr val="black"/>
-              </a:solidFill>
-              <a:latin typeface="Segoe UI"/>
-            </a:endParaRPr>
+              <a:t>Device State Store</a:t>
+            </a:r>
           </a:p>
         </p:txBody>
       </p:sp>
@@ -26060,24 +25748,7 @@
                       <a:prstClr val="white"/>
                     </a:solidFill>
                   </a:rPr>
-                  <a:t>Operational data related to the devices resides in the device state </a:t>
-                </a:r>
-                <a:r>
-                  <a:rPr lang="en-US" i="0" dirty="0" smtClean="0">
-                    <a:solidFill>
-                      <a:prstClr val="white"/>
-                    </a:solidFill>
-                  </a:rPr>
-                  <a:t>store s</a:t>
-                </a:r>
-                <a:r>
-                  <a:rPr lang="en-US" i="0" dirty="0" smtClean="0">
-                    <a:solidFill>
-                      <a:prstClr val="white"/>
-                    </a:solidFill>
-                    <a:latin typeface="Segoe UI"/>
-                  </a:rPr>
-                  <a:t>eparate </a:t>
+                  <a:t>Operational data related to the devices resides in the device state store s</a:t>
                 </a:r>
                 <a:r>
                   <a:rPr lang="en-US" i="0" dirty="0">
@@ -26086,7 +25757,7 @@
                     </a:solidFill>
                     <a:latin typeface="Segoe UI"/>
                   </a:rPr>
-                  <a:t>from the device registry</a:t>
+                  <a:t>eparate from the device registry</a:t>
                 </a:r>
               </a:p>
             </p:txBody>
@@ -26224,13 +25895,8 @@
           <a:p>
             <a:r>
               <a:rPr lang="en-US" sz="4800" dirty="0"/>
-              <a:t>Stream </a:t>
-            </a:r>
-            <a:r>
-              <a:rPr lang="en-US" sz="4800" dirty="0" smtClean="0"/>
-              <a:t>Processor</a:t>
-            </a:r>
-            <a:endParaRPr lang="en-US" sz="4800" dirty="0"/>
+              <a:t>Stream Processor</a:t>
+            </a:r>
           </a:p>
         </p:txBody>
       </p:sp>
@@ -26293,7 +25959,7 @@
             <a:p>
               <a:pPr algn="ctr"/>
               <a:r>
-                <a:rPr lang="en-US" dirty="0" smtClean="0">
+                <a:rPr lang="en-US" dirty="0">
                   <a:solidFill>
                     <a:schemeClr val="bg1"/>
                   </a:solidFill>
@@ -26348,7 +26014,7 @@
             <a:p>
               <a:pPr algn="ctr"/>
               <a:r>
-                <a:rPr lang="en-US" dirty="0" smtClean="0">
+                <a:rPr lang="en-US" dirty="0">
                   <a:solidFill>
                     <a:schemeClr val="bg1"/>
                   </a:solidFill>
@@ -26405,7 +26071,7 @@
             <a:p>
               <a:pPr algn="ctr"/>
               <a:r>
-                <a:rPr lang="en-US" dirty="0" smtClean="0">
+                <a:rPr lang="en-US" dirty="0">
                   <a:solidFill>
                     <a:schemeClr val="bg1"/>
                   </a:solidFill>
@@ -26497,12 +26163,12 @@
             <a:p>
               <a:pPr algn="ctr"/>
               <a:r>
-                <a:rPr lang="en-US" dirty="0" smtClean="0">
+                <a:rPr lang="en-US" dirty="0">
                   <a:solidFill>
                     <a:schemeClr val="bg1"/>
                   </a:solidFill>
                 </a:rPr>
-                <a:t>Steam Processors</a:t>
+                <a:t>Stream Processors</a:t>
               </a:r>
             </a:p>
           </p:txBody>
@@ -26552,7 +26218,7 @@
             <a:p>
               <a:pPr algn="ctr"/>
               <a:r>
-                <a:rPr lang="en-US" dirty="0" smtClean="0">
+                <a:rPr lang="en-US" dirty="0">
                   <a:solidFill>
                     <a:schemeClr val="bg1"/>
                   </a:solidFill>
@@ -26681,7 +26347,7 @@
             <a:p>
               <a:pPr algn="ctr"/>
               <a:r>
-                <a:rPr lang="en-US" dirty="0" smtClean="0">
+                <a:rPr lang="en-US" dirty="0">
                   <a:solidFill>
                     <a:schemeClr val="bg1"/>
                   </a:solidFill>
@@ -26773,7 +26439,7 @@
             <a:p>
               <a:pPr algn="ctr"/>
               <a:r>
-                <a:rPr lang="en-US" dirty="0" smtClean="0">
+                <a:rPr lang="en-US" dirty="0">
                   <a:solidFill>
                     <a:schemeClr val="bg1"/>
                   </a:solidFill>
@@ -27258,12 +26924,8 @@
               <a:p>
                 <a:pPr marL="346075" algn="l"/>
                 <a:r>
-                  <a:rPr lang="en-US" i="0" dirty="0" smtClean="0"/>
-                  <a:t>Implements </a:t>
-                </a:r>
-                <a:r>
                   <a:rPr lang="en-US" i="0" dirty="0"/>
-                  <a:t>the appropriate object models and abstractions for devices, groups of devices and business rules and actions </a:t>
+                  <a:t>Implements the appropriate object models and abstractions for devices, groups of devices and business rules and actions </a:t>
                 </a:r>
                 <a:endParaRPr lang="en-US" i="0" dirty="0">
                   <a:solidFill>
@@ -27440,13 +27102,8 @@
             </a:pPr>
             <a:r>
               <a:rPr lang="en-US" altLang="ko-KR" dirty="0"/>
-              <a:t>A website for UX for mobile and desktop </a:t>
-            </a:r>
-            <a:r>
-              <a:rPr lang="en-US" altLang="ko-KR" dirty="0" smtClean="0"/>
-              <a:t>App</a:t>
-            </a:r>
-            <a:endParaRPr lang="en-US" altLang="ko-KR" dirty="0"/>
+              <a:t>A website for UX for mobile and desktop App</a:t>
+            </a:r>
           </a:p>
           <a:p>
             <a:pPr>
@@ -27717,41 +27374,8 @@
                 </a:solidFill>
                 <a:latin typeface="Segoe UI"/>
               </a:rPr>
-              <a:t>Business </a:t>
-            </a:r>
-            <a:r>
-              <a:rPr lang="en-US" sz="4800" dirty="0" smtClean="0">
-                <a:solidFill>
-                  <a:prstClr val="black"/>
-                </a:solidFill>
-                <a:latin typeface="Segoe UI"/>
-              </a:rPr>
-              <a:t>Systems </a:t>
-            </a:r>
-            <a:r>
-              <a:rPr lang="en-US" sz="4800" dirty="0">
-                <a:solidFill>
-                  <a:prstClr val="black"/>
-                </a:solidFill>
-                <a:latin typeface="Segoe UI"/>
-              </a:rPr>
-              <a:t>I</a:t>
-            </a:r>
-            <a:r>
-              <a:rPr lang="en-US" sz="4800" dirty="0" smtClean="0">
-                <a:solidFill>
-                  <a:prstClr val="black"/>
-                </a:solidFill>
-                <a:latin typeface="Segoe UI"/>
-              </a:rPr>
-              <a:t>ntegration</a:t>
-            </a:r>
-            <a:endParaRPr lang="en-US" sz="4800" dirty="0">
-              <a:solidFill>
-                <a:prstClr val="black"/>
-              </a:solidFill>
-              <a:latin typeface="Segoe UI"/>
-            </a:endParaRPr>
+              <a:t>Business Systems Integration</a:t>
+            </a:r>
           </a:p>
         </p:txBody>
       </p:sp>
@@ -28075,20 +27699,12 @@
                 <a:buChar char="§"/>
               </a:pPr>
               <a:r>
-                <a:rPr lang="en-US" sz="2800" dirty="0" smtClean="0">
-                  <a:solidFill>
-                    <a:srgbClr val="000000"/>
-                  </a:solidFill>
-                </a:rPr>
-                <a:t>Through </a:t>
-              </a:r>
-              <a:r>
                 <a:rPr lang="en-US" sz="2800" dirty="0">
                   <a:solidFill>
                     <a:srgbClr val="000000"/>
                   </a:solidFill>
                 </a:rPr>
-                <a:t>business connectors or EAI/B2B gateway capabilities</a:t>
+                <a:t>Through business connectors or EAI/B2B gateway capabilities</a:t>
               </a:r>
             </a:p>
           </p:txBody>
@@ -28419,23 +28035,8 @@
                     </a:solidFill>
                     <a:latin typeface="Segoe UI"/>
                   </a:rPr>
-                  <a:t>In this lesson, you have </a:t>
+                  <a:t>In this lesson, you have learned to:</a:t>
                 </a:r>
-                <a:r>
-                  <a:rPr lang="en-US" i="0" dirty="0" smtClean="0">
-                    <a:solidFill>
-                      <a:prstClr val="white"/>
-                    </a:solidFill>
-                    <a:latin typeface="Segoe UI"/>
-                  </a:rPr>
-                  <a:t>learned to:</a:t>
-                </a:r>
-                <a:endParaRPr lang="en-US" i="0" dirty="0">
-                  <a:solidFill>
-                    <a:prstClr val="white"/>
-                  </a:solidFill>
-                  <a:latin typeface="Segoe UI"/>
-                </a:endParaRPr>
               </a:p>
             </p:txBody>
           </p:sp>
@@ -28502,15 +28103,7 @@
               </a:pPr>
               <a:r>
                 <a:rPr lang="en-US" sz="2800" dirty="0"/>
-                <a:t>Understand </a:t>
-              </a:r>
-              <a:r>
-                <a:rPr lang="en-US" sz="2800" dirty="0" smtClean="0"/>
-                <a:t>device </a:t>
-              </a:r>
-              <a:r>
-                <a:rPr lang="en-US" sz="2800" dirty="0"/>
-                <a:t>provisioning and identity, registry, and state stores in Azure</a:t>
+                <a:t>Understand device provisioning and identity, registry, and state stores in Azure</a:t>
               </a:r>
             </a:p>
             <a:p>
@@ -28520,13 +28113,8 @@
               </a:pPr>
               <a:r>
                 <a:rPr lang="en-US" sz="2800" dirty="0"/>
-                <a:t>Understand data flow and processing in </a:t>
+                <a:t>Understand data flow and processing in Azure</a:t>
               </a:r>
-              <a:r>
-                <a:rPr lang="en-US" sz="2800" dirty="0" smtClean="0"/>
-                <a:t>Azure</a:t>
-              </a:r>
-              <a:endParaRPr lang="en-US" sz="2800" dirty="0"/>
             </a:p>
           </p:txBody>
         </p:sp>
@@ -29031,13 +28619,6 @@
   <p:clrMapOvr>
     <a:masterClrMapping/>
   </p:clrMapOvr>
-  <p:timing>
-    <p:tnLst>
-      <p:par>
-        <p:cTn xmlns:p14="http://schemas.microsoft.com/office/powerpoint/2010/main" id="1" dur="indefinite" restart="never" nodeType="tmRoot"/>
-      </p:par>
-    </p:tnLst>
-  </p:timing>
 </p:sld>
 </file>
 
@@ -29081,18 +28662,17 @@
           <a:lstStyle/>
           <a:p>
             <a:r>
-              <a:rPr lang="en-US" sz="4800" dirty="0" smtClean="0"/>
+              <a:rPr lang="en-US" sz="4800" dirty="0"/>
               <a:t>Azure </a:t>
             </a:r>
             <a:r>
-              <a:rPr lang="en-US" sz="4800" dirty="0" err="1" smtClean="0"/>
+              <a:rPr lang="en-US" sz="4800" dirty="0" err="1"/>
               <a:t>IoT</a:t>
             </a:r>
             <a:r>
-              <a:rPr lang="en-US" sz="4800" dirty="0" smtClean="0"/>
+              <a:rPr lang="en-US" sz="4800" dirty="0"/>
               <a:t> Architecture</a:t>
             </a:r>
-            <a:endParaRPr lang="en-US" sz="4800" dirty="0"/>
           </a:p>
         </p:txBody>
       </p:sp>
@@ -29148,29 +28728,24 @@
               <a:p>
                 <a:r>
                   <a:rPr lang="en-US" dirty="0"/>
-                  <a:t>D</a:t>
-                </a:r>
-                <a:r>
-                  <a:rPr lang="en-US" dirty="0" smtClean="0"/>
-                  <a:t>ata path</a:t>
+                  <a:t>Data path</a:t>
                 </a:r>
               </a:p>
               <a:p>
                 <a:r>
-                  <a:rPr lang="en-US" dirty="0" smtClean="0"/>
+                  <a:rPr lang="en-US" dirty="0"/>
                   <a:t>Optional solution component</a:t>
                 </a:r>
               </a:p>
               <a:p>
                 <a:r>
-                  <a:rPr lang="en-US" dirty="0" err="1" smtClean="0"/>
+                  <a:rPr lang="en-US" dirty="0" err="1"/>
                   <a:t>IoT</a:t>
                 </a:r>
                 <a:r>
-                  <a:rPr lang="en-US" dirty="0" smtClean="0"/>
+                  <a:rPr lang="en-US" dirty="0"/>
                   <a:t> solution component</a:t>
                 </a:r>
-                <a:endParaRPr lang="en-US" dirty="0"/>
               </a:p>
             </p:txBody>
           </p:sp>
@@ -29270,7 +28845,7 @@
                 <a:lstStyle/>
                 <a:p>
                   <a:pPr algn="ctr"/>
-                  <a:endParaRPr lang="en-US" dirty="0" smtClean="0">
+                  <a:endParaRPr lang="en-US" dirty="0">
                     <a:solidFill>
                       <a:schemeClr val="tx1"/>
                     </a:solidFill>
@@ -29320,7 +28895,7 @@
                 <a:lstStyle/>
                 <a:p>
                   <a:pPr algn="ctr"/>
-                  <a:endParaRPr lang="en-US" dirty="0" smtClean="0">
+                  <a:endParaRPr lang="en-US" dirty="0">
                     <a:solidFill>
                       <a:schemeClr val="bg1"/>
                     </a:solidFill>
@@ -29386,7 +28961,7 @@
               <a:lstStyle/>
               <a:p>
                 <a:pPr algn="ctr"/>
-                <a:endParaRPr lang="en-US" dirty="0" smtClean="0">
+                <a:endParaRPr lang="en-US" dirty="0">
                   <a:solidFill>
                     <a:schemeClr val="bg1"/>
                   </a:solidFill>
@@ -29437,7 +29012,7 @@
               <a:p>
                 <a:pPr algn="ctr"/>
                 <a:r>
-                  <a:rPr lang="en-US" dirty="0" smtClean="0">
+                  <a:rPr lang="en-US" dirty="0">
                     <a:solidFill>
                       <a:schemeClr val="bg1"/>
                     </a:solidFill>
@@ -29490,7 +29065,7 @@
               <a:p>
                 <a:pPr algn="ctr"/>
                 <a:r>
-                  <a:rPr lang="en-US" dirty="0" err="1" smtClean="0">
+                  <a:rPr lang="en-US" dirty="0" err="1">
                     <a:solidFill>
                       <a:schemeClr val="bg1"/>
                     </a:solidFill>
@@ -29498,7 +29073,7 @@
                   <a:t>IoT</a:t>
                 </a:r>
                 <a:r>
-                  <a:rPr lang="en-US" dirty="0" smtClean="0">
+                  <a:rPr lang="en-US" dirty="0">
                     <a:solidFill>
                       <a:schemeClr val="bg1"/>
                     </a:solidFill>
@@ -29551,7 +29126,7 @@
               <a:p>
                 <a:pPr algn="ctr"/>
                 <a:r>
-                  <a:rPr lang="en-US" dirty="0" smtClean="0">
+                  <a:rPr lang="en-US" dirty="0">
                     <a:solidFill>
                       <a:schemeClr val="bg1"/>
                     </a:solidFill>
@@ -29701,7 +29276,7 @@
                 <a:p>
                   <a:pPr algn="ctr"/>
                   <a:r>
-                    <a:rPr lang="en-US" dirty="0" smtClean="0">
+                    <a:rPr lang="en-US" dirty="0">
                       <a:solidFill>
                         <a:schemeClr val="tx1"/>
                       </a:solidFill>
@@ -29711,7 +29286,7 @@
                 </a:p>
                 <a:p>
                   <a:pPr algn="ctr"/>
-                  <a:endParaRPr lang="en-US" dirty="0" smtClean="0">
+                  <a:endParaRPr lang="en-US" dirty="0">
                     <a:solidFill>
                       <a:schemeClr val="tx1"/>
                     </a:solidFill>
@@ -29719,7 +29294,7 @@
                 </a:p>
                 <a:p>
                   <a:pPr algn="ctr"/>
-                  <a:endParaRPr lang="en-US" dirty="0" smtClean="0">
+                  <a:endParaRPr lang="en-US" dirty="0">
                     <a:solidFill>
                       <a:schemeClr val="tx1"/>
                     </a:solidFill>
@@ -29770,7 +29345,7 @@
                 <a:p>
                   <a:pPr algn="ctr"/>
                   <a:r>
-                    <a:rPr lang="en-US" dirty="0" err="1" smtClean="0">
+                    <a:rPr lang="en-US" dirty="0" err="1">
                       <a:solidFill>
                         <a:schemeClr val="bg1"/>
                       </a:solidFill>
@@ -29778,7 +29353,7 @@
                     <a:t>IoT</a:t>
                   </a:r>
                   <a:r>
-                    <a:rPr lang="en-US" dirty="0" smtClean="0">
+                    <a:rPr lang="en-US" dirty="0">
                       <a:solidFill>
                         <a:schemeClr val="bg1"/>
                       </a:solidFill>
@@ -30003,33 +29578,17 @@
                   <a:p>
                     <a:pPr algn="ctr"/>
                     <a:r>
-                      <a:rPr lang="en-US" dirty="0" smtClean="0">
-                        <a:solidFill>
-                          <a:schemeClr val="tx1"/>
-                        </a:solidFill>
-                      </a:rPr>
-                      <a:t>Low-power</a:t>
-                    </a:r>
-                    <a:r>
                       <a:rPr lang="en-US" dirty="0">
                         <a:solidFill>
                           <a:schemeClr val="tx1"/>
                         </a:solidFill>
                       </a:rPr>
-                      <a:t> </a:t>
-                    </a:r>
-                    <a:r>
-                      <a:rPr lang="en-US" dirty="0" smtClean="0">
-                        <a:solidFill>
-                          <a:schemeClr val="tx1"/>
-                        </a:solidFill>
-                      </a:rPr>
-                      <a:t>devices</a:t>
+                      <a:t>Low-power devices</a:t>
                     </a:r>
                   </a:p>
                   <a:p>
                     <a:pPr algn="ctr"/>
-                    <a:endParaRPr lang="en-US" dirty="0" smtClean="0">
+                    <a:endParaRPr lang="en-US" dirty="0">
                       <a:solidFill>
                         <a:schemeClr val="tx1"/>
                       </a:solidFill>
@@ -30215,7 +29774,7 @@
                     <a:p>
                       <a:pPr algn="ctr"/>
                       <a:r>
-                        <a:rPr lang="en-US" dirty="0" smtClean="0">
+                        <a:rPr lang="en-US" dirty="0">
                           <a:solidFill>
                             <a:schemeClr val="tx1"/>
                           </a:solidFill>
@@ -30277,7 +29836,7 @@
                   <a:p>
                     <a:pPr algn="ctr"/>
                     <a:r>
-                      <a:rPr lang="en-US" dirty="0" err="1" smtClean="0">
+                      <a:rPr lang="en-US" dirty="0" err="1">
                         <a:solidFill>
                           <a:schemeClr val="bg1"/>
                         </a:solidFill>
@@ -30285,7 +29844,7 @@
                       <a:t>IoT</a:t>
                     </a:r>
                     <a:r>
-                      <a:rPr lang="en-US" dirty="0" smtClean="0">
+                      <a:rPr lang="en-US" dirty="0">
                         <a:solidFill>
                           <a:schemeClr val="bg1"/>
                         </a:solidFill>
@@ -30473,7 +30032,7 @@
                     <a:p>
                       <a:pPr algn="ctr"/>
                       <a:r>
-                        <a:rPr lang="en-US" dirty="0" smtClean="0">
+                        <a:rPr lang="en-US" dirty="0">
                           <a:solidFill>
                             <a:schemeClr val="tx1"/>
                           </a:solidFill>
@@ -30481,7 +30040,7 @@
                         <a:t>Existing </a:t>
                       </a:r>
                       <a:r>
-                        <a:rPr lang="en-US" dirty="0" err="1" smtClean="0">
+                        <a:rPr lang="en-US" dirty="0" err="1">
                           <a:solidFill>
                             <a:schemeClr val="tx1"/>
                           </a:solidFill>
@@ -30489,7 +30048,7 @@
                         <a:t>IoT</a:t>
                       </a:r>
                       <a:r>
-                        <a:rPr lang="en-US" dirty="0" smtClean="0">
+                        <a:rPr lang="en-US" dirty="0">
                           <a:solidFill>
                             <a:schemeClr val="tx1"/>
                           </a:solidFill>
@@ -30551,7 +30110,7 @@
                   <a:p>
                     <a:pPr algn="ctr"/>
                     <a:r>
-                      <a:rPr lang="en-US" dirty="0" err="1" smtClean="0">
+                      <a:rPr lang="en-US" dirty="0" err="1">
                         <a:solidFill>
                           <a:schemeClr val="bg1"/>
                         </a:solidFill>
@@ -30559,7 +30118,7 @@
                       <a:t>IoT</a:t>
                     </a:r>
                     <a:r>
-                      <a:rPr lang="en-US" dirty="0" smtClean="0">
+                      <a:rPr lang="en-US" dirty="0">
                         <a:solidFill>
                           <a:schemeClr val="bg1"/>
                         </a:solidFill>
@@ -30739,13 +30298,6 @@
   <p:clrMapOvr>
     <a:masterClrMapping/>
   </p:clrMapOvr>
-  <p:timing>
-    <p:tnLst>
-      <p:par>
-        <p:cTn xmlns:p14="http://schemas.microsoft.com/office/powerpoint/2010/main" id="1" dur="indefinite" restart="never" nodeType="tmRoot"/>
-      </p:par>
-    </p:tnLst>
-  </p:timing>
 </p:sld>
 </file>
 
@@ -31130,7 +30682,7 @@
                 <a:p>
                   <a:pPr algn="ctr"/>
                   <a:r>
-                    <a:rPr lang="en-US" dirty="0" smtClean="0">
+                    <a:rPr lang="en-US" dirty="0">
                       <a:solidFill>
                         <a:schemeClr val="tx1"/>
                       </a:solidFill>
@@ -31191,7 +30743,7 @@
                 <a:p>
                   <a:pPr algn="ctr"/>
                   <a:r>
-                    <a:rPr lang="en-US" dirty="0" err="1" smtClean="0">
+                    <a:rPr lang="en-US" dirty="0" err="1">
                       <a:solidFill>
                         <a:schemeClr val="bg1"/>
                       </a:solidFill>
@@ -31199,7 +30751,7 @@
                     <a:t>IoT</a:t>
                   </a:r>
                   <a:r>
-                    <a:rPr lang="en-US" dirty="0" smtClean="0">
+                    <a:rPr lang="en-US" dirty="0">
                       <a:solidFill>
                         <a:schemeClr val="bg1"/>
                       </a:solidFill>
@@ -31269,7 +30821,7 @@
                 <a:p>
                   <a:pPr algn="ctr"/>
                   <a:r>
-                    <a:rPr lang="en-US" dirty="0" smtClean="0">
+                    <a:rPr lang="en-US" dirty="0">
                       <a:solidFill>
                         <a:schemeClr val="tx1"/>
                       </a:solidFill>
@@ -31324,7 +30876,7 @@
                 <a:p>
                   <a:pPr algn="ctr"/>
                   <a:r>
-                    <a:rPr lang="en-US" dirty="0" smtClean="0">
+                    <a:rPr lang="en-US" dirty="0">
                       <a:solidFill>
                         <a:schemeClr val="tx1"/>
                       </a:solidFill>
@@ -31394,7 +30946,7 @@
                 <a:p>
                   <a:pPr algn="ctr"/>
                   <a:r>
-                    <a:rPr lang="en-US" dirty="0" smtClean="0">
+                    <a:rPr lang="en-US" dirty="0">
                       <a:solidFill>
                         <a:schemeClr val="tx1"/>
                       </a:solidFill>
@@ -31455,7 +31007,7 @@
                 <a:p>
                   <a:pPr algn="ctr"/>
                   <a:r>
-                    <a:rPr lang="en-US" dirty="0" err="1" smtClean="0">
+                    <a:rPr lang="en-US" dirty="0" err="1">
                       <a:solidFill>
                         <a:schemeClr val="bg1"/>
                       </a:solidFill>
@@ -31463,7 +31015,7 @@
                     <a:t>IoT</a:t>
                   </a:r>
                   <a:r>
-                    <a:rPr lang="en-US" dirty="0" smtClean="0">
+                    <a:rPr lang="en-US" dirty="0">
                       <a:solidFill>
                         <a:schemeClr val="bg1"/>
                       </a:solidFill>
@@ -31519,7 +31071,7 @@
               <a:p>
                 <a:pPr algn="ctr"/>
                 <a:r>
-                  <a:rPr lang="en-US" dirty="0" smtClean="0">
+                  <a:rPr lang="en-US" dirty="0">
                     <a:solidFill>
                       <a:schemeClr val="tx1"/>
                     </a:solidFill>
@@ -31574,7 +31126,7 @@
               <a:p>
                 <a:pPr algn="ctr"/>
                 <a:r>
-                  <a:rPr lang="en-US" dirty="0" smtClean="0">
+                  <a:rPr lang="en-US" dirty="0">
                     <a:solidFill>
                       <a:schemeClr val="tx1"/>
                     </a:solidFill>
@@ -31627,7 +31179,7 @@
               <a:lstStyle/>
               <a:p>
                 <a:pPr algn="ctr"/>
-                <a:endParaRPr lang="en-US" dirty="0" smtClean="0">
+                <a:endParaRPr lang="en-US" dirty="0">
                   <a:solidFill>
                     <a:schemeClr val="tx1"/>
                   </a:solidFill>
@@ -31636,7 +31188,7 @@
               <a:p>
                 <a:pPr algn="ctr"/>
                 <a:r>
-                  <a:rPr lang="en-US" dirty="0" smtClean="0">
+                  <a:rPr lang="en-US" dirty="0">
                     <a:solidFill>
                       <a:schemeClr val="tx1"/>
                     </a:solidFill>
@@ -31692,7 +31244,7 @@
               <a:p>
                 <a:pPr algn="ctr"/>
                 <a:r>
-                  <a:rPr lang="en-US" dirty="0" smtClean="0">
+                  <a:rPr lang="en-US" dirty="0">
                     <a:solidFill>
                       <a:schemeClr val="tx1"/>
                     </a:solidFill>
@@ -31703,30 +31255,17 @@
               <a:p>
                 <a:pPr algn="ctr"/>
                 <a:r>
-                  <a:rPr lang="en-US" dirty="0" smtClean="0">
-                    <a:solidFill>
-                      <a:schemeClr val="tx1"/>
-                    </a:solidFill>
-                  </a:rPr>
-                  <a:t>Gateway</a:t>
-                </a:r>
-                <a:r>
                   <a:rPr lang="en-US" dirty="0">
                     <a:solidFill>
                       <a:schemeClr val="tx1"/>
                     </a:solidFill>
                   </a:rPr>
-                  <a:t>*</a:t>
+                  <a:t>Gateway*</a:t>
                 </a:r>
-                <a:endParaRPr lang="en-US" dirty="0" smtClean="0">
-                  <a:solidFill>
-                    <a:schemeClr val="tx1"/>
-                  </a:solidFill>
-                </a:endParaRPr>
               </a:p>
               <a:p>
                 <a:pPr algn="ctr"/>
-                <a:endParaRPr lang="en-US" dirty="0" smtClean="0">
+                <a:endParaRPr lang="en-US" dirty="0">
                   <a:solidFill>
                     <a:schemeClr val="tx1"/>
                   </a:solidFill>
@@ -31780,7 +31319,7 @@
               <a:p>
                 <a:pPr algn="ctr"/>
                 <a:r>
-                  <a:rPr lang="en-US" dirty="0" smtClean="0">
+                  <a:rPr lang="en-US" dirty="0">
                     <a:solidFill>
                       <a:schemeClr val="tx1"/>
                     </a:solidFill>
@@ -31791,30 +31330,17 @@
               <a:p>
                 <a:pPr algn="ctr"/>
                 <a:r>
-                  <a:rPr lang="en-US" dirty="0" smtClean="0">
-                    <a:solidFill>
-                      <a:schemeClr val="tx1"/>
-                    </a:solidFill>
-                  </a:rPr>
-                  <a:t>Gateway</a:t>
-                </a:r>
-                <a:r>
                   <a:rPr lang="en-US" dirty="0">
                     <a:solidFill>
                       <a:schemeClr val="tx1"/>
                     </a:solidFill>
                   </a:rPr>
-                  <a:t>*</a:t>
+                  <a:t>Gateway*</a:t>
                 </a:r>
-                <a:endParaRPr lang="en-US" dirty="0" smtClean="0">
-                  <a:solidFill>
-                    <a:schemeClr val="tx1"/>
-                  </a:solidFill>
-                </a:endParaRPr>
               </a:p>
               <a:p>
                 <a:pPr algn="ctr"/>
-                <a:endParaRPr lang="en-US" dirty="0" smtClean="0">
+                <a:endParaRPr lang="en-US" dirty="0">
                   <a:solidFill>
                     <a:schemeClr val="tx1"/>
                   </a:solidFill>
@@ -31868,7 +31394,7 @@
               <a:p>
                 <a:pPr algn="ctr"/>
                 <a:r>
-                  <a:rPr lang="en-US" dirty="0" smtClean="0">
+                  <a:rPr lang="en-US" dirty="0">
                     <a:solidFill>
                       <a:schemeClr val="tx1"/>
                     </a:solidFill>
@@ -31879,7 +31405,7 @@
               <a:p>
                 <a:pPr algn="ctr"/>
                 <a:r>
-                  <a:rPr lang="en-US" dirty="0" smtClean="0">
+                  <a:rPr lang="en-US" dirty="0">
                     <a:solidFill>
                       <a:schemeClr val="tx1"/>
                     </a:solidFill>
@@ -31935,7 +31461,7 @@
               <a:p>
                 <a:pPr algn="ctr"/>
                 <a:r>
-                  <a:rPr lang="en-US" dirty="0" smtClean="0">
+                  <a:rPr lang="en-US" dirty="0">
                     <a:solidFill>
                       <a:schemeClr val="tx1"/>
                     </a:solidFill>
@@ -31946,7 +31472,7 @@
               <a:p>
                 <a:pPr algn="ctr"/>
                 <a:r>
-                  <a:rPr lang="en-US" dirty="0" smtClean="0">
+                  <a:rPr lang="en-US" dirty="0">
                     <a:solidFill>
                       <a:schemeClr val="tx1"/>
                     </a:solidFill>
@@ -31999,7 +31525,7 @@
               <a:p>
                 <a:pPr algn="ctr"/>
                 <a:r>
-                  <a:rPr lang="en-US" dirty="0" smtClean="0">
+                  <a:rPr lang="en-US" dirty="0">
                     <a:solidFill>
                       <a:schemeClr val="bg1"/>
                     </a:solidFill>
@@ -32469,11 +31995,6 @@
                   </a:rPr>
                   <a:t>2</a:t>
                 </a:r>
-                <a:endParaRPr lang="en-US" dirty="0" smtClean="0">
-                  <a:solidFill>
-                    <a:schemeClr val="tx1"/>
-                  </a:solidFill>
-                </a:endParaRPr>
               </a:p>
             </p:txBody>
           </p:sp>
@@ -32531,11 +32052,6 @@
                   </a:rPr>
                   <a:t>1</a:t>
                 </a:r>
-                <a:endParaRPr lang="en-US" dirty="0" smtClean="0">
-                  <a:solidFill>
-                    <a:schemeClr val="tx1"/>
-                  </a:solidFill>
-                </a:endParaRPr>
               </a:p>
             </p:txBody>
           </p:sp>
@@ -32593,11 +32109,6 @@
                   </a:rPr>
                   <a:t>3</a:t>
                 </a:r>
-                <a:endParaRPr lang="en-US" dirty="0" smtClean="0">
-                  <a:solidFill>
-                    <a:schemeClr val="tx1"/>
-                  </a:solidFill>
-                </a:endParaRPr>
               </a:p>
             </p:txBody>
           </p:sp>
@@ -32648,7 +32159,7 @@
               <a:p>
                 <a:pPr algn="ctr"/>
                 <a:r>
-                  <a:rPr lang="en-US" dirty="0" smtClean="0">
+                  <a:rPr lang="en-US" dirty="0">
                     <a:solidFill>
                       <a:schemeClr val="tx1"/>
                     </a:solidFill>
@@ -32697,29 +32208,24 @@
               <a:p>
                 <a:r>
                   <a:rPr lang="en-US" dirty="0"/>
-                  <a:t>D</a:t>
-                </a:r>
-                <a:r>
-                  <a:rPr lang="en-US" dirty="0" smtClean="0"/>
-                  <a:t>ata path</a:t>
+                  <a:t>Data path</a:t>
                 </a:r>
               </a:p>
               <a:p>
                 <a:r>
-                  <a:rPr lang="en-US" dirty="0" smtClean="0"/>
+                  <a:rPr lang="en-US" dirty="0"/>
                   <a:t>Optional solution component</a:t>
                 </a:r>
               </a:p>
               <a:p>
                 <a:r>
-                  <a:rPr lang="en-US" dirty="0" err="1" smtClean="0"/>
+                  <a:rPr lang="en-US" dirty="0" err="1"/>
                   <a:t>IoT</a:t>
                 </a:r>
                 <a:r>
-                  <a:rPr lang="en-US" dirty="0" smtClean="0"/>
+                  <a:rPr lang="en-US" dirty="0"/>
                   <a:t> solution component</a:t>
                 </a:r>
-                <a:endParaRPr lang="en-US" dirty="0"/>
               </a:p>
             </p:txBody>
           </p:sp>
@@ -32819,7 +32325,7 @@
                 <a:lstStyle/>
                 <a:p>
                   <a:pPr algn="ctr"/>
-                  <a:endParaRPr lang="en-US" dirty="0" smtClean="0">
+                  <a:endParaRPr lang="en-US" dirty="0">
                     <a:solidFill>
                       <a:schemeClr val="tx1"/>
                     </a:solidFill>
@@ -32869,7 +32375,7 @@
                 <a:lstStyle/>
                 <a:p>
                   <a:pPr algn="ctr"/>
-                  <a:endParaRPr lang="en-US" dirty="0" smtClean="0">
+                  <a:endParaRPr lang="en-US" dirty="0">
                     <a:solidFill>
                       <a:schemeClr val="bg1"/>
                     </a:solidFill>
@@ -32890,13 +32396,6 @@
   <p:clrMapOvr>
     <a:masterClrMapping/>
   </p:clrMapOvr>
-  <p:timing>
-    <p:tnLst>
-      <p:par>
-        <p:cTn xmlns:p14="http://schemas.microsoft.com/office/powerpoint/2010/main" id="1" dur="indefinite" restart="never" nodeType="tmRoot"/>
-      </p:par>
-    </p:tnLst>
-  </p:timing>
 </p:sld>
 </file>
 
@@ -32964,13 +32463,8 @@
             </a:pPr>
             <a:r>
               <a:rPr lang="en-US" altLang="ko-KR" dirty="0"/>
-              <a:t> The feature is anyway to do something </a:t>
-            </a:r>
-            <a:r>
-              <a:rPr lang="en-US" altLang="ko-KR" dirty="0" smtClean="0"/>
-              <a:t>useful</a:t>
-            </a:r>
-            <a:endParaRPr lang="en-US" altLang="ko-KR" dirty="0"/>
+              <a:t> The feature is anyway to do something useful</a:t>
+            </a:r>
           </a:p>
           <a:p>
             <a:pPr marL="457200" lvl="1" indent="0">
@@ -32978,13 +32472,8 @@
             </a:pPr>
             <a:r>
               <a:rPr lang="en-US" altLang="ko-KR" dirty="0"/>
-              <a:t>Ex) sensing, computing, communicating, </a:t>
-            </a:r>
-            <a:r>
-              <a:rPr lang="en-US" altLang="ko-KR" dirty="0" smtClean="0"/>
-              <a:t>acting</a:t>
-            </a:r>
-            <a:endParaRPr lang="en-US" altLang="ko-KR" dirty="0"/>
+              <a:t>Ex) sensing, computing, communicating, acting</a:t>
+            </a:r>
           </a:p>
           <a:p>
             <a:pPr>
@@ -32993,13 +32482,8 @@
             </a:pPr>
             <a:r>
               <a:rPr lang="en-US" altLang="ko-KR" dirty="0"/>
-              <a:t>Heterogeneous device </a:t>
-            </a:r>
-            <a:r>
-              <a:rPr lang="en-US" altLang="ko-KR" dirty="0" smtClean="0"/>
-              <a:t>support</a:t>
-            </a:r>
-            <a:endParaRPr lang="en-US" altLang="ko-KR" dirty="0"/>
+              <a:t>Heterogeneous device support</a:t>
+            </a:r>
           </a:p>
           <a:p>
             <a:pPr>
@@ -33008,11 +32492,7 @@
             </a:pPr>
             <a:r>
               <a:rPr lang="en-US" altLang="ko-KR" dirty="0"/>
-              <a:t>Target </a:t>
-            </a:r>
-            <a:r>
-              <a:rPr lang="en-US" altLang="ko-KR" dirty="0" smtClean="0"/>
-              <a:t>devices</a:t>
+              <a:t>Target devices</a:t>
             </a:r>
             <a:endParaRPr lang="en-US" dirty="0"/>
           </a:p>
@@ -33088,7 +32568,7 @@
               <a:lstStyle/>
               <a:p>
                 <a:pPr algn="ctr"/>
-                <a:endParaRPr lang="en-US" dirty="0" smtClean="0">
+                <a:endParaRPr lang="en-US" dirty="0">
                   <a:solidFill>
                     <a:schemeClr val="bg1"/>
                   </a:solidFill>
@@ -33139,7 +32619,7 @@
               <a:p>
                 <a:pPr algn="ctr"/>
                 <a:r>
-                  <a:rPr lang="en-US" dirty="0" smtClean="0">
+                  <a:rPr lang="en-US" dirty="0">
                     <a:solidFill>
                       <a:schemeClr val="bg1"/>
                     </a:solidFill>
@@ -33209,7 +32689,7 @@
                 <a:p>
                   <a:pPr algn="ctr"/>
                   <a:r>
-                    <a:rPr lang="en-US" dirty="0" smtClean="0">
+                    <a:rPr lang="en-US" dirty="0">
                       <a:solidFill>
                         <a:schemeClr val="tx1"/>
                       </a:solidFill>
@@ -33219,7 +32699,7 @@
                 </a:p>
                 <a:p>
                   <a:pPr algn="ctr"/>
-                  <a:endParaRPr lang="en-US" dirty="0" smtClean="0">
+                  <a:endParaRPr lang="en-US" dirty="0">
                     <a:solidFill>
                       <a:schemeClr val="tx1"/>
                     </a:solidFill>
@@ -33227,7 +32707,7 @@
                 </a:p>
                 <a:p>
                   <a:pPr algn="ctr"/>
-                  <a:endParaRPr lang="en-US" dirty="0" smtClean="0">
+                  <a:endParaRPr lang="en-US" dirty="0">
                     <a:solidFill>
                       <a:schemeClr val="tx1"/>
                     </a:solidFill>
@@ -33278,7 +32758,7 @@
                 <a:p>
                   <a:pPr algn="ctr"/>
                   <a:r>
-                    <a:rPr lang="en-US" dirty="0" err="1" smtClean="0">
+                    <a:rPr lang="en-US" dirty="0" err="1">
                       <a:solidFill>
                         <a:schemeClr val="bg1"/>
                       </a:solidFill>
@@ -33286,7 +32766,7 @@
                     <a:t>IoT</a:t>
                   </a:r>
                   <a:r>
-                    <a:rPr lang="en-US" dirty="0" smtClean="0">
+                    <a:rPr lang="en-US" dirty="0">
                       <a:solidFill>
                         <a:schemeClr val="bg1"/>
                       </a:solidFill>
@@ -33511,33 +32991,17 @@
                   <a:p>
                     <a:pPr algn="ctr"/>
                     <a:r>
-                      <a:rPr lang="en-US" dirty="0" smtClean="0">
-                        <a:solidFill>
-                          <a:schemeClr val="tx1"/>
-                        </a:solidFill>
-                      </a:rPr>
-                      <a:t>Low-power</a:t>
-                    </a:r>
-                    <a:r>
                       <a:rPr lang="en-US" dirty="0">
                         <a:solidFill>
                           <a:schemeClr val="tx1"/>
                         </a:solidFill>
                       </a:rPr>
-                      <a:t> </a:t>
-                    </a:r>
-                    <a:r>
-                      <a:rPr lang="en-US" dirty="0" smtClean="0">
-                        <a:solidFill>
-                          <a:schemeClr val="tx1"/>
-                        </a:solidFill>
-                      </a:rPr>
-                      <a:t>devices</a:t>
+                      <a:t>Low-power devices</a:t>
                     </a:r>
                   </a:p>
                   <a:p>
                     <a:pPr algn="ctr"/>
-                    <a:endParaRPr lang="en-US" dirty="0" smtClean="0">
+                    <a:endParaRPr lang="en-US" dirty="0">
                       <a:solidFill>
                         <a:schemeClr val="tx1"/>
                       </a:solidFill>
@@ -33723,7 +33187,7 @@
                     <a:p>
                       <a:pPr algn="ctr"/>
                       <a:r>
-                        <a:rPr lang="en-US" dirty="0" smtClean="0">
+                        <a:rPr lang="en-US" dirty="0">
                           <a:solidFill>
                             <a:schemeClr val="tx1"/>
                           </a:solidFill>
@@ -33785,7 +33249,7 @@
                   <a:p>
                     <a:pPr algn="ctr"/>
                     <a:r>
-                      <a:rPr lang="en-US" dirty="0" err="1" smtClean="0">
+                      <a:rPr lang="en-US" dirty="0" err="1">
                         <a:solidFill>
                           <a:schemeClr val="bg1"/>
                         </a:solidFill>
@@ -33793,7 +33257,7 @@
                       <a:t>IoT</a:t>
                     </a:r>
                     <a:r>
-                      <a:rPr lang="en-US" dirty="0" smtClean="0">
+                      <a:rPr lang="en-US" dirty="0">
                         <a:solidFill>
                           <a:schemeClr val="bg1"/>
                         </a:solidFill>
@@ -33981,7 +33445,7 @@
                     <a:p>
                       <a:pPr algn="ctr"/>
                       <a:r>
-                        <a:rPr lang="en-US" dirty="0" smtClean="0">
+                        <a:rPr lang="en-US" dirty="0">
                           <a:solidFill>
                             <a:schemeClr val="tx1"/>
                           </a:solidFill>
@@ -33989,7 +33453,7 @@
                         <a:t>Existing </a:t>
                       </a:r>
                       <a:r>
-                        <a:rPr lang="en-US" dirty="0" err="1" smtClean="0">
+                        <a:rPr lang="en-US" dirty="0" err="1">
                           <a:solidFill>
                             <a:schemeClr val="tx1"/>
                           </a:solidFill>
@@ -33997,7 +33461,7 @@
                         <a:t>IoT</a:t>
                       </a:r>
                       <a:r>
-                        <a:rPr lang="en-US" dirty="0" smtClean="0">
+                        <a:rPr lang="en-US" dirty="0">
                           <a:solidFill>
                             <a:schemeClr val="tx1"/>
                           </a:solidFill>
@@ -34059,7 +33523,7 @@
                   <a:p>
                     <a:pPr algn="ctr"/>
                     <a:r>
-                      <a:rPr lang="en-US" dirty="0" err="1" smtClean="0">
+                      <a:rPr lang="en-US" dirty="0" err="1">
                         <a:solidFill>
                           <a:schemeClr val="bg1"/>
                         </a:solidFill>
@@ -34067,7 +33531,7 @@
                       <a:t>IoT</a:t>
                     </a:r>
                     <a:r>
-                      <a:rPr lang="en-US" dirty="0" smtClean="0">
+                      <a:rPr lang="en-US" dirty="0">
                         <a:solidFill>
                           <a:schemeClr val="bg1"/>
                         </a:solidFill>
@@ -34274,29 +33738,24 @@
               <a:p>
                 <a:r>
                   <a:rPr lang="en-US" dirty="0"/>
-                  <a:t>D</a:t>
-                </a:r>
-                <a:r>
-                  <a:rPr lang="en-US" dirty="0" smtClean="0"/>
-                  <a:t>ata path</a:t>
+                  <a:t>Data path</a:t>
                 </a:r>
               </a:p>
               <a:p>
                 <a:r>
-                  <a:rPr lang="en-US" dirty="0" smtClean="0"/>
+                  <a:rPr lang="en-US" dirty="0"/>
                   <a:t>Optional solution component</a:t>
                 </a:r>
               </a:p>
               <a:p>
                 <a:r>
-                  <a:rPr lang="en-US" dirty="0" err="1" smtClean="0"/>
+                  <a:rPr lang="en-US" dirty="0" err="1"/>
                   <a:t>IoT</a:t>
                 </a:r>
                 <a:r>
-                  <a:rPr lang="en-US" dirty="0" smtClean="0"/>
+                  <a:rPr lang="en-US" dirty="0"/>
                   <a:t> solution component</a:t>
                 </a:r>
-                <a:endParaRPr lang="en-US" dirty="0"/>
               </a:p>
             </p:txBody>
           </p:sp>
@@ -34396,7 +33855,7 @@
                 <a:lstStyle/>
                 <a:p>
                   <a:pPr algn="ctr"/>
-                  <a:endParaRPr lang="en-US" dirty="0" smtClean="0">
+                  <a:endParaRPr lang="en-US" dirty="0">
                     <a:solidFill>
                       <a:schemeClr val="tx1"/>
                     </a:solidFill>
@@ -34446,7 +33905,7 @@
                 <a:lstStyle/>
                 <a:p>
                   <a:pPr algn="ctr"/>
-                  <a:endParaRPr lang="en-US" dirty="0" smtClean="0">
+                  <a:endParaRPr lang="en-US" dirty="0">
                     <a:solidFill>
                       <a:schemeClr val="bg1"/>
                     </a:solidFill>
@@ -34795,7 +34254,7 @@
                 <a:t>Local processing and control functions </a:t>
               </a:r>
               <a:r>
-                <a:rPr lang="en-US" i="0" smtClean="0"/>
+                <a:rPr lang="en-US" i="0"/>
                 <a:t>in devices</a:t>
               </a:r>
               <a:endParaRPr lang="en-US" i="0" dirty="0"/>
@@ -36012,15 +35471,7 @@
           <a:p>
             <a:r>
               <a:rPr lang="en-US" sz="4800" dirty="0"/>
-              <a:t>Custom </a:t>
-            </a:r>
-            <a:r>
-              <a:rPr lang="en-US" sz="4800" dirty="0" smtClean="0"/>
-              <a:t>Cloud </a:t>
-            </a:r>
-            <a:r>
-              <a:rPr lang="en-US" sz="4800" dirty="0"/>
-              <a:t>Gateway</a:t>
+              <a:t>Custom Cloud Gateway</a:t>
             </a:r>
           </a:p>
         </p:txBody>
@@ -36930,7 +36381,7 @@
   <a:extraClrSchemeLst/>
   <a:extLst>
     <a:ext uri="{05A4C25C-085E-4340-85A3-A5531E510DB2}">
-      <thm15:themeFamily xmlns="" xmlns:thm15="http://schemas.microsoft.com/office/thememl/2012/main" name="Azure4ResearchTemplate" id="{DD1C6CE8-BDBA-0D4F-9930-3643ABC8EF0E}" vid="{B5C66FD7-0952-994B-96D6-AB3BB89097FE}"/>
+      <thm15:themeFamily xmlns:thm15="http://schemas.microsoft.com/office/thememl/2012/main" name="Azure4ResearchTemplate" id="{DD1C6CE8-BDBA-0D4F-9930-3643ABC8EF0E}" vid="{B5C66FD7-0952-994B-96D6-AB3BB89097FE}"/>
     </a:ext>
   </a:extLst>
 </a:theme>
@@ -37199,7 +36650,7 @@
   <a:extraClrSchemeLst/>
   <a:extLst>
     <a:ext uri="{05A4C25C-085E-4340-85A3-A5531E510DB2}">
-      <thm15:themeFamily xmlns="" xmlns:thm15="http://schemas.microsoft.com/office/thememl/2012/main" name="Office Theme" id="{62F939B6-93AF-4DB8-9C6B-D6C7DFDC589F}" vid="{4A3C46E8-61CC-4603-A589-7422A47A8E4A}"/>
+      <thm15:themeFamily xmlns:thm15="http://schemas.microsoft.com/office/thememl/2012/main" name="Office Theme" id="{62F939B6-93AF-4DB8-9C6B-D6C7DFDC589F}" vid="{4A3C46E8-61CC-4603-A589-7422A47A8E4A}"/>
     </a:ext>
   </a:extLst>
 </a:theme>
@@ -37468,7 +36919,7 @@
   <a:extraClrSchemeLst/>
   <a:extLst>
     <a:ext uri="{05A4C25C-085E-4340-85A3-A5531E510DB2}">
-      <thm15:themeFamily xmlns="" xmlns:thm15="http://schemas.microsoft.com/office/thememl/2012/main" name="Office Theme" id="{62F939B6-93AF-4DB8-9C6B-D6C7DFDC589F}" vid="{4A3C46E8-61CC-4603-A589-7422A47A8E4A}"/>
+      <thm15:themeFamily xmlns:thm15="http://schemas.microsoft.com/office/thememl/2012/main" name="Office Theme" id="{62F939B6-93AF-4DB8-9C6B-D6C7DFDC589F}" vid="{4A3C46E8-61CC-4603-A589-7422A47A8E4A}"/>
     </a:ext>
   </a:extLst>
 </a:theme>
@@ -37729,7 +37180,7 @@
   <a:extraClrSchemeLst/>
   <a:extLst>
     <a:ext uri="{05A4C25C-085E-4340-85A3-A5531E510DB2}">
-      <thm15:themeFamily xmlns="" xmlns:thm15="http://schemas.microsoft.com/office/thememl/2012/main" name="Office Theme" id="{62F939B6-93AF-4DB8-9C6B-D6C7DFDC589F}" vid="{4A3C46E8-61CC-4603-A589-7422A47A8E4A}"/>
+      <thm15:themeFamily xmlns:thm15="http://schemas.microsoft.com/office/thememl/2012/main" name="Office Theme" id="{62F939B6-93AF-4DB8-9C6B-D6C7DFDC589F}" vid="{4A3C46E8-61CC-4603-A589-7422A47A8E4A}"/>
     </a:ext>
   </a:extLst>
 </a:theme>
@@ -38024,7 +37475,7 @@
   <a:extraClrSchemeLst/>
   <a:extLst>
     <a:ext uri="{05A4C25C-085E-4340-85A3-A5531E510DB2}">
-      <thm15:themeFamily xmlns="" xmlns:thm15="http://schemas.microsoft.com/office/thememl/2012/main" name="Office Theme" id="{62F939B6-93AF-4DB8-9C6B-D6C7DFDC589F}" vid="{4A3C46E8-61CC-4603-A589-7422A47A8E4A}"/>
+      <thm15:themeFamily xmlns:thm15="http://schemas.microsoft.com/office/thememl/2012/main" name="Office Theme" id="{62F939B6-93AF-4DB8-9C6B-D6C7DFDC589F}" vid="{4A3C46E8-61CC-4603-A589-7422A47A8E4A}"/>
     </a:ext>
   </a:extLst>
 </a:theme>
